--- a/答辩PPT.pptx
+++ b/答辩PPT.pptx
@@ -1020,6 +1020,3241 @@
 </file>
 
 <file path=ppt/notesSlides/notesSlide3.xml><?xml version="1.0" encoding="utf-8"?>
+<p:notes xmlns:a="http://schemas.openxmlformats.org/drawingml/2006/main" xmlns:r="http://schemas.openxmlformats.org/officeDocument/2006/relationships" xmlns:p="http://schemas.openxmlformats.org/presentationml/2006/main">
+  <p:cSld>
+    <p:spTree>
+      <p:nvGrpSpPr>
+        <p:cNvPr id="1" name=""/>
+        <p:cNvGrpSpPr/>
+        <p:nvPr/>
+      </p:nvGrpSpPr>
+      <p:grpSpPr>
+        <a:xfrm>
+          <a:off x="0" y="0"/>
+          <a:ext cx="0" cy="0"/>
+          <a:chOff x="0" y="0"/>
+          <a:chExt cx="0" cy="0"/>
+        </a:xfrm>
+      </p:grpSpPr>
+      <p:sp>
+        <p:nvSpPr>
+          <p:cNvPr id="2" name="幻灯片图像占位符 1"/>
+          <p:cNvSpPr>
+            <a:spLocks noGrp="1" noRot="1" noChangeAspect="1"/>
+          </p:cNvSpPr>
+          <p:nvPr>
+            <p:ph type="sldImg"/>
+          </p:nvPr>
+        </p:nvSpPr>
+        <p:spPr/>
+      </p:sp>
+      <p:sp>
+        <p:nvSpPr>
+          <p:cNvPr id="3" name="备注占位符 2"/>
+          <p:cNvSpPr>
+            <a:spLocks noGrp="1"/>
+          </p:cNvSpPr>
+          <p:nvPr>
+            <p:ph type="body" idx="1"/>
+          </p:nvPr>
+        </p:nvSpPr>
+        <p:spPr/>
+        <p:txBody>
+          <a:bodyPr/>
+          <a:lstStyle/>
+          <a:p>
+            <a:endParaRPr lang="zh-CN" altLang="en-US" dirty="0"/>
+          </a:p>
+        </p:txBody>
+      </p:sp>
+    </p:spTree>
+    <p:extLst>
+      <p:ext uri="{BB962C8B-B14F-4D97-AF65-F5344CB8AC3E}">
+        <p14:creationId xmlns:p14="http://schemas.microsoft.com/office/powerpoint/2010/main" val="2135535076"/>
+      </p:ext>
+    </p:extLst>
+  </p:cSld>
+  <p:clrMapOvr>
+    <a:masterClrMapping/>
+  </p:clrMapOvr>
+</p:notes>
+</file>
+
+<file path=ppt/notesSlides/notesSlide4.xml><?xml version="1.0" encoding="utf-8"?>
+<p:notes xmlns:a="http://schemas.openxmlformats.org/drawingml/2006/main" xmlns:r="http://schemas.openxmlformats.org/officeDocument/2006/relationships" xmlns:p="http://schemas.openxmlformats.org/presentationml/2006/main">
+  <p:cSld>
+    <p:spTree>
+      <p:nvGrpSpPr>
+        <p:cNvPr id="1" name=""/>
+        <p:cNvGrpSpPr/>
+        <p:nvPr/>
+      </p:nvGrpSpPr>
+      <p:grpSpPr>
+        <a:xfrm>
+          <a:off x="0" y="0"/>
+          <a:ext cx="0" cy="0"/>
+          <a:chOff x="0" y="0"/>
+          <a:chExt cx="0" cy="0"/>
+        </a:xfrm>
+      </p:grpSpPr>
+      <p:sp>
+        <p:nvSpPr>
+          <p:cNvPr id="2" name="幻灯片图像占位符 1"/>
+          <p:cNvSpPr>
+            <a:spLocks noGrp="1" noRot="1" noChangeAspect="1"/>
+          </p:cNvSpPr>
+          <p:nvPr>
+            <p:ph type="sldImg"/>
+          </p:nvPr>
+        </p:nvSpPr>
+        <p:spPr/>
+      </p:sp>
+      <p:sp>
+        <p:nvSpPr>
+          <p:cNvPr id="3" name="备注占位符 2"/>
+          <p:cNvSpPr>
+            <a:spLocks noGrp="1"/>
+          </p:cNvSpPr>
+          <p:nvPr>
+            <p:ph type="body" idx="1"/>
+          </p:nvPr>
+        </p:nvSpPr>
+        <p:spPr/>
+        <p:txBody>
+          <a:bodyPr/>
+          <a:lstStyle/>
+          <a:p>
+            <a:r>
+              <a:rPr lang="zh-CN" altLang="zh-CN" dirty="0"/>
+              <a:t>输出为目的寄存器选择信号</a:t>
+            </a:r>
+            <a:r>
+              <a:rPr lang="en-US" altLang="zh-CN" dirty="0" err="1"/>
+              <a:t>RegDst</a:t>
+            </a:r>
+            <a:r>
+              <a:rPr lang="zh-CN" altLang="zh-CN" dirty="0"/>
+              <a:t>，寄存器写使能信号</a:t>
+            </a:r>
+            <a:r>
+              <a:rPr lang="en-US" altLang="zh-CN" dirty="0" err="1"/>
+              <a:t>RegWrite</a:t>
+            </a:r>
+            <a:r>
+              <a:rPr lang="zh-CN" altLang="zh-CN" dirty="0"/>
+              <a:t>，</a:t>
+            </a:r>
+            <a:r>
+              <a:rPr lang="en-US" altLang="zh-CN" dirty="0"/>
+              <a:t>ALU</a:t>
+            </a:r>
+            <a:r>
+              <a:rPr lang="zh-CN" altLang="zh-CN" dirty="0"/>
+              <a:t>操作数选择信号</a:t>
+            </a:r>
+            <a:r>
+              <a:rPr lang="en-US" altLang="zh-CN" dirty="0" err="1"/>
+              <a:t>ALUSrc</a:t>
+            </a:r>
+            <a:r>
+              <a:rPr lang="zh-CN" altLang="zh-CN" dirty="0"/>
+              <a:t>，数据存储器写使能信号</a:t>
+            </a:r>
+            <a:r>
+              <a:rPr lang="en-US" altLang="zh-CN" dirty="0" err="1"/>
+              <a:t>MemWrite</a:t>
+            </a:r>
+            <a:r>
+              <a:rPr lang="en-US" altLang="zh-CN" dirty="0"/>
+              <a:t>, </a:t>
+            </a:r>
+            <a:r>
+              <a:rPr lang="zh-CN" altLang="zh-CN" dirty="0"/>
+              <a:t>数据存储器读使能信号</a:t>
+            </a:r>
+            <a:r>
+              <a:rPr lang="en-US" altLang="zh-CN" dirty="0" err="1"/>
+              <a:t>MemRead</a:t>
+            </a:r>
+            <a:r>
+              <a:rPr lang="zh-CN" altLang="zh-CN" dirty="0"/>
+              <a:t>，待写寄存器数据选择信号</a:t>
+            </a:r>
+            <a:r>
+              <a:rPr lang="en-US" altLang="zh-CN" dirty="0" err="1"/>
+              <a:t>MemtoReg</a:t>
+            </a:r>
+            <a:r>
+              <a:rPr lang="zh-CN" altLang="zh-CN" dirty="0"/>
+              <a:t>，条件跳转控制信号</a:t>
+            </a:r>
+            <a:r>
+              <a:rPr lang="en-US" altLang="zh-CN" dirty="0"/>
+              <a:t>Branch</a:t>
+            </a:r>
+            <a:r>
+              <a:rPr lang="zh-CN" altLang="zh-CN" dirty="0"/>
+              <a:t>，无条件跳转控制信号</a:t>
+            </a:r>
+            <a:r>
+              <a:rPr lang="en-US" altLang="zh-CN" dirty="0"/>
+              <a:t>Jump</a:t>
+            </a:r>
+            <a:r>
+              <a:rPr lang="zh-CN" altLang="zh-CN" dirty="0"/>
+              <a:t>和输入到</a:t>
+            </a:r>
+            <a:r>
+              <a:rPr lang="en-US" altLang="zh-CN" dirty="0"/>
+              <a:t>ALU</a:t>
+            </a:r>
+            <a:r>
+              <a:rPr lang="zh-CN" altLang="zh-CN" dirty="0"/>
+              <a:t>局部控制单元的</a:t>
+            </a:r>
+            <a:r>
+              <a:rPr lang="en-US" altLang="zh-CN" dirty="0"/>
+              <a:t>2</a:t>
+            </a:r>
+            <a:r>
+              <a:rPr lang="zh-CN" altLang="zh-CN" dirty="0"/>
+              <a:t>位分类信号</a:t>
+            </a:r>
+            <a:r>
+              <a:rPr lang="en-US" altLang="zh-CN" dirty="0" err="1"/>
+              <a:t>ALUctr</a:t>
+            </a:r>
+            <a:r>
+              <a:rPr lang="zh-CN" altLang="en-US" dirty="0"/>
+              <a:t>。</a:t>
+            </a:r>
+          </a:p>
+        </p:txBody>
+      </p:sp>
+    </p:spTree>
+    <p:extLst>
+      <p:ext uri="{BB962C8B-B14F-4D97-AF65-F5344CB8AC3E}">
+        <p14:creationId xmlns:p14="http://schemas.microsoft.com/office/powerpoint/2010/main" val="2077831107"/>
+      </p:ext>
+    </p:extLst>
+  </p:cSld>
+  <p:clrMapOvr>
+    <a:masterClrMapping/>
+  </p:clrMapOvr>
+</p:notes>
+</file>
+
+<file path=ppt/notesSlides/notesSlide5.xml><?xml version="1.0" encoding="utf-8"?>
+<p:notes xmlns:a="http://schemas.openxmlformats.org/drawingml/2006/main" xmlns:r="http://schemas.openxmlformats.org/officeDocument/2006/relationships" xmlns:p="http://schemas.openxmlformats.org/presentationml/2006/main">
+  <p:cSld>
+    <p:spTree>
+      <p:nvGrpSpPr>
+        <p:cNvPr id="1" name=""/>
+        <p:cNvGrpSpPr/>
+        <p:nvPr/>
+      </p:nvGrpSpPr>
+      <p:grpSpPr>
+        <a:xfrm>
+          <a:off x="0" y="0"/>
+          <a:ext cx="0" cy="0"/>
+          <a:chOff x="0" y="0"/>
+          <a:chExt cx="0" cy="0"/>
+        </a:xfrm>
+      </p:grpSpPr>
+      <p:sp>
+        <p:nvSpPr>
+          <p:cNvPr id="2" name="幻灯片图像占位符 1"/>
+          <p:cNvSpPr>
+            <a:spLocks noGrp="1" noRot="1" noChangeAspect="1"/>
+          </p:cNvSpPr>
+          <p:nvPr>
+            <p:ph type="sldImg"/>
+          </p:nvPr>
+        </p:nvSpPr>
+        <p:spPr/>
+      </p:sp>
+      <p:sp>
+        <p:nvSpPr>
+          <p:cNvPr id="3" name="备注占位符 2"/>
+          <p:cNvSpPr>
+            <a:spLocks noGrp="1"/>
+          </p:cNvSpPr>
+          <p:nvPr>
+            <p:ph type="body" idx="1"/>
+          </p:nvPr>
+        </p:nvSpPr>
+        <p:spPr/>
+        <p:txBody>
+          <a:bodyPr/>
+          <a:lstStyle/>
+          <a:p>
+            <a:pPr marL="0" marR="0" lvl="0" indent="0" algn="l" defTabSz="914400" rtl="0" eaLnBrk="1" fontAlgn="auto" latinLnBrk="0" hangingPunct="1">
+              <a:lnSpc>
+                <a:spcPct val="100000"/>
+              </a:lnSpc>
+              <a:spcBef>
+                <a:spcPts val="0"/>
+              </a:spcBef>
+              <a:spcAft>
+                <a:spcPts val="0"/>
+              </a:spcAft>
+              <a:buClrTx/>
+              <a:buSzTx/>
+              <a:buFontTx/>
+              <a:buNone/>
+              <a:tabLst/>
+              <a:defRPr/>
+            </a:pPr>
+            <a:r>
+              <a:rPr lang="en-US" altLang="zh-CN" sz="1200" kern="1200" dirty="0">
+                <a:solidFill>
+                  <a:schemeClr val="tx1"/>
+                </a:solidFill>
+                <a:effectLst/>
+                <a:latin typeface="+mn-lt"/>
+                <a:ea typeface="黑体" panose="02010609060101010101" pitchFamily="49" charset="-122"/>
+                <a:cs typeface="+mn-cs"/>
+              </a:rPr>
+              <a:t>PC=0</a:t>
+            </a:r>
+            <a:r>
+              <a:rPr lang="zh-CN" altLang="zh-CN" sz="1200" kern="1200" dirty="0">
+                <a:solidFill>
+                  <a:schemeClr val="tx1"/>
+                </a:solidFill>
+                <a:effectLst/>
+                <a:latin typeface="+mn-lt"/>
+                <a:ea typeface="黑体" panose="02010609060101010101" pitchFamily="49" charset="-122"/>
+                <a:cs typeface="+mn-cs"/>
+              </a:rPr>
+              <a:t>，</a:t>
+            </a:r>
+            <a:r>
+              <a:rPr lang="en-US" altLang="zh-CN" sz="1200" kern="1200" dirty="0">
+                <a:solidFill>
+                  <a:schemeClr val="tx1"/>
+                </a:solidFill>
+                <a:effectLst/>
+                <a:latin typeface="+mn-lt"/>
+                <a:ea typeface="黑体" panose="02010609060101010101" pitchFamily="49" charset="-122"/>
+                <a:cs typeface="+mn-cs"/>
+              </a:rPr>
+              <a:t>Inst=</a:t>
+            </a:r>
+            <a:r>
+              <a:rPr lang="en-US" altLang="zh-CN" sz="1200" kern="1200" dirty="0" err="1">
+                <a:solidFill>
+                  <a:schemeClr val="tx1"/>
+                </a:solidFill>
+                <a:effectLst/>
+                <a:latin typeface="+mn-lt"/>
+                <a:ea typeface="黑体" panose="02010609060101010101" pitchFamily="49" charset="-122"/>
+                <a:cs typeface="+mn-cs"/>
+              </a:rPr>
+              <a:t>0x00002820</a:t>
+            </a:r>
+            <a:r>
+              <a:rPr lang="zh-CN" altLang="zh-CN" sz="1200" kern="1200" dirty="0">
+                <a:solidFill>
+                  <a:schemeClr val="tx1"/>
+                </a:solidFill>
+                <a:effectLst/>
+                <a:latin typeface="+mn-lt"/>
+                <a:ea typeface="黑体" panose="02010609060101010101" pitchFamily="49" charset="-122"/>
+                <a:cs typeface="+mn-cs"/>
+              </a:rPr>
+              <a:t>，置</a:t>
+            </a:r>
+            <a:r>
+              <a:rPr lang="en-US" altLang="zh-CN" sz="1200" kern="1200" dirty="0">
+                <a:solidFill>
+                  <a:schemeClr val="tx1"/>
+                </a:solidFill>
+                <a:effectLst/>
+                <a:latin typeface="+mn-lt"/>
+                <a:ea typeface="黑体" panose="02010609060101010101" pitchFamily="49" charset="-122"/>
+                <a:cs typeface="+mn-cs"/>
+              </a:rPr>
+              <a:t>$</a:t>
+            </a:r>
+            <a:r>
+              <a:rPr lang="en-US" altLang="zh-CN" sz="1200" kern="1200" dirty="0" err="1">
+                <a:solidFill>
+                  <a:schemeClr val="tx1"/>
+                </a:solidFill>
+                <a:effectLst/>
+                <a:latin typeface="+mn-lt"/>
+                <a:ea typeface="黑体" panose="02010609060101010101" pitchFamily="49" charset="-122"/>
+                <a:cs typeface="+mn-cs"/>
+              </a:rPr>
+              <a:t>a1</a:t>
+            </a:r>
+            <a:r>
+              <a:rPr lang="zh-CN" altLang="zh-CN" sz="1200" kern="1200" dirty="0">
+                <a:solidFill>
+                  <a:schemeClr val="tx1"/>
+                </a:solidFill>
+                <a:effectLst/>
+                <a:latin typeface="+mn-lt"/>
+                <a:ea typeface="黑体" panose="02010609060101010101" pitchFamily="49" charset="-122"/>
+                <a:cs typeface="+mn-cs"/>
+              </a:rPr>
+              <a:t>为</a:t>
+            </a:r>
+            <a:r>
+              <a:rPr lang="en-US" altLang="zh-CN" sz="1200" kern="1200" dirty="0">
+                <a:solidFill>
+                  <a:schemeClr val="tx1"/>
+                </a:solidFill>
+                <a:effectLst/>
+                <a:latin typeface="+mn-lt"/>
+                <a:ea typeface="黑体" panose="02010609060101010101" pitchFamily="49" charset="-122"/>
+                <a:cs typeface="+mn-cs"/>
+              </a:rPr>
+              <a:t>0</a:t>
+            </a:r>
+          </a:p>
+          <a:p>
+            <a:pPr marL="0" marR="0" lvl="0" indent="0" algn="l" defTabSz="914400" rtl="0" eaLnBrk="1" fontAlgn="auto" latinLnBrk="0" hangingPunct="1">
+              <a:lnSpc>
+                <a:spcPct val="100000"/>
+              </a:lnSpc>
+              <a:spcBef>
+                <a:spcPts val="0"/>
+              </a:spcBef>
+              <a:spcAft>
+                <a:spcPts val="0"/>
+              </a:spcAft>
+              <a:buClrTx/>
+              <a:buSzTx/>
+              <a:buFontTx/>
+              <a:buNone/>
+              <a:tabLst/>
+              <a:defRPr/>
+            </a:pPr>
+            <a:r>
+              <a:rPr lang="en-US" altLang="zh-CN" sz="1200" kern="1200" dirty="0">
+                <a:solidFill>
+                  <a:schemeClr val="tx1"/>
+                </a:solidFill>
+                <a:effectLst/>
+                <a:latin typeface="+mn-lt"/>
+                <a:ea typeface="黑体" panose="02010609060101010101" pitchFamily="49" charset="-122"/>
+                <a:cs typeface="+mn-cs"/>
+              </a:rPr>
+              <a:t>PC=4</a:t>
+            </a:r>
+            <a:r>
+              <a:rPr lang="zh-CN" altLang="zh-CN" sz="1200" kern="1200" dirty="0">
+                <a:solidFill>
+                  <a:schemeClr val="tx1"/>
+                </a:solidFill>
+                <a:effectLst/>
+                <a:latin typeface="+mn-lt"/>
+                <a:ea typeface="黑体" panose="02010609060101010101" pitchFamily="49" charset="-122"/>
+                <a:cs typeface="+mn-cs"/>
+              </a:rPr>
+              <a:t>，</a:t>
+            </a:r>
+            <a:r>
+              <a:rPr lang="en-US" altLang="zh-CN" sz="1200" kern="1200" dirty="0">
+                <a:solidFill>
+                  <a:schemeClr val="tx1"/>
+                </a:solidFill>
+                <a:effectLst/>
+                <a:latin typeface="+mn-lt"/>
+                <a:ea typeface="黑体" panose="02010609060101010101" pitchFamily="49" charset="-122"/>
+                <a:cs typeface="+mn-cs"/>
+              </a:rPr>
+              <a:t>Inst=</a:t>
+            </a:r>
+            <a:r>
+              <a:rPr lang="en-US" altLang="zh-CN" sz="1200" kern="1200" dirty="0" err="1">
+                <a:solidFill>
+                  <a:schemeClr val="tx1"/>
+                </a:solidFill>
+                <a:effectLst/>
+                <a:latin typeface="+mn-lt"/>
+                <a:ea typeface="黑体" panose="02010609060101010101" pitchFamily="49" charset="-122"/>
+                <a:cs typeface="+mn-cs"/>
+              </a:rPr>
+              <a:t>0x8Cb10000</a:t>
+            </a:r>
+            <a:r>
+              <a:rPr lang="zh-CN" altLang="zh-CN" sz="1200" kern="1200" dirty="0">
+                <a:solidFill>
+                  <a:schemeClr val="tx1"/>
+                </a:solidFill>
+                <a:effectLst/>
+                <a:latin typeface="+mn-lt"/>
+                <a:ea typeface="黑体" panose="02010609060101010101" pitchFamily="49" charset="-122"/>
+                <a:cs typeface="+mn-cs"/>
+              </a:rPr>
+              <a:t>，读</a:t>
+            </a:r>
+            <a:r>
+              <a:rPr lang="en-US" altLang="zh-CN" sz="1200" kern="1200" dirty="0">
+                <a:solidFill>
+                  <a:schemeClr val="tx1"/>
+                </a:solidFill>
+                <a:effectLst/>
+                <a:latin typeface="+mn-lt"/>
+                <a:ea typeface="黑体" panose="02010609060101010101" pitchFamily="49" charset="-122"/>
+                <a:cs typeface="+mn-cs"/>
+              </a:rPr>
+              <a:t>Mem[0]</a:t>
+            </a:r>
+            <a:r>
+              <a:rPr lang="zh-CN" altLang="zh-CN" sz="1200" kern="1200" dirty="0">
+                <a:solidFill>
+                  <a:schemeClr val="tx1"/>
+                </a:solidFill>
+                <a:effectLst/>
+                <a:latin typeface="+mn-lt"/>
+                <a:ea typeface="黑体" panose="02010609060101010101" pitchFamily="49" charset="-122"/>
+                <a:cs typeface="+mn-cs"/>
+              </a:rPr>
+              <a:t>到</a:t>
+            </a:r>
+            <a:r>
+              <a:rPr lang="en-US" altLang="zh-CN" sz="1200" kern="1200" dirty="0">
+                <a:solidFill>
+                  <a:schemeClr val="tx1"/>
+                </a:solidFill>
+                <a:effectLst/>
+                <a:latin typeface="+mn-lt"/>
+                <a:ea typeface="黑体" panose="02010609060101010101" pitchFamily="49" charset="-122"/>
+                <a:cs typeface="+mn-cs"/>
+              </a:rPr>
+              <a:t>$</a:t>
+            </a:r>
+            <a:r>
+              <a:rPr lang="en-US" altLang="zh-CN" sz="1200" kern="1200" dirty="0" err="1">
+                <a:solidFill>
+                  <a:schemeClr val="tx1"/>
+                </a:solidFill>
+                <a:effectLst/>
+                <a:latin typeface="+mn-lt"/>
+                <a:ea typeface="黑体" panose="02010609060101010101" pitchFamily="49" charset="-122"/>
+                <a:cs typeface="+mn-cs"/>
+              </a:rPr>
+              <a:t>s1</a:t>
+            </a:r>
+            <a:endParaRPr lang="en-US" altLang="zh-CN" sz="1200" kern="1200" dirty="0">
+              <a:solidFill>
+                <a:schemeClr val="tx1"/>
+              </a:solidFill>
+              <a:effectLst/>
+              <a:latin typeface="+mn-lt"/>
+              <a:ea typeface="黑体" panose="02010609060101010101" pitchFamily="49" charset="-122"/>
+              <a:cs typeface="+mn-cs"/>
+            </a:endParaRPr>
+          </a:p>
+          <a:p>
+            <a:pPr marL="0" marR="0" lvl="0" indent="0" algn="l" defTabSz="914400" rtl="0" eaLnBrk="1" fontAlgn="auto" latinLnBrk="0" hangingPunct="1">
+              <a:lnSpc>
+                <a:spcPct val="100000"/>
+              </a:lnSpc>
+              <a:spcBef>
+                <a:spcPts val="0"/>
+              </a:spcBef>
+              <a:spcAft>
+                <a:spcPts val="0"/>
+              </a:spcAft>
+              <a:buClrTx/>
+              <a:buSzTx/>
+              <a:buFontTx/>
+              <a:buNone/>
+              <a:tabLst/>
+              <a:defRPr/>
+            </a:pPr>
+            <a:r>
+              <a:rPr lang="en-US" altLang="zh-CN" sz="1200" kern="1200" dirty="0">
+                <a:solidFill>
+                  <a:schemeClr val="tx1"/>
+                </a:solidFill>
+                <a:effectLst/>
+                <a:latin typeface="+mn-lt"/>
+                <a:ea typeface="黑体" panose="02010609060101010101" pitchFamily="49" charset="-122"/>
+                <a:cs typeface="+mn-cs"/>
+              </a:rPr>
+              <a:t>PC=8</a:t>
+            </a:r>
+            <a:r>
+              <a:rPr lang="zh-CN" altLang="zh-CN" sz="1200" kern="1200" dirty="0">
+                <a:solidFill>
+                  <a:schemeClr val="tx1"/>
+                </a:solidFill>
+                <a:effectLst/>
+                <a:latin typeface="+mn-lt"/>
+                <a:ea typeface="黑体" panose="02010609060101010101" pitchFamily="49" charset="-122"/>
+                <a:cs typeface="+mn-cs"/>
+              </a:rPr>
+              <a:t>，</a:t>
+            </a:r>
+            <a:r>
+              <a:rPr lang="en-US" altLang="zh-CN" sz="1200" kern="1200" dirty="0">
+                <a:solidFill>
+                  <a:schemeClr val="tx1"/>
+                </a:solidFill>
+                <a:effectLst/>
+                <a:latin typeface="+mn-lt"/>
+                <a:ea typeface="黑体" panose="02010609060101010101" pitchFamily="49" charset="-122"/>
+                <a:cs typeface="+mn-cs"/>
+              </a:rPr>
+              <a:t>Inst=</a:t>
+            </a:r>
+            <a:r>
+              <a:rPr lang="en-US" altLang="zh-CN" sz="1200" kern="1200" dirty="0" err="1">
+                <a:solidFill>
+                  <a:schemeClr val="tx1"/>
+                </a:solidFill>
+                <a:effectLst/>
+                <a:latin typeface="+mn-lt"/>
+                <a:ea typeface="黑体" panose="02010609060101010101" pitchFamily="49" charset="-122"/>
+                <a:cs typeface="+mn-cs"/>
+              </a:rPr>
+              <a:t>0x8cb20004</a:t>
+            </a:r>
+            <a:r>
+              <a:rPr lang="zh-CN" altLang="zh-CN" sz="1200" kern="1200" dirty="0">
+                <a:solidFill>
+                  <a:schemeClr val="tx1"/>
+                </a:solidFill>
+                <a:effectLst/>
+                <a:latin typeface="+mn-lt"/>
+                <a:ea typeface="黑体" panose="02010609060101010101" pitchFamily="49" charset="-122"/>
+                <a:cs typeface="+mn-cs"/>
+              </a:rPr>
+              <a:t>，读</a:t>
+            </a:r>
+            <a:r>
+              <a:rPr lang="en-US" altLang="zh-CN" sz="1200" kern="1200" dirty="0">
+                <a:solidFill>
+                  <a:schemeClr val="tx1"/>
+                </a:solidFill>
+                <a:effectLst/>
+                <a:latin typeface="+mn-lt"/>
+                <a:ea typeface="黑体" panose="02010609060101010101" pitchFamily="49" charset="-122"/>
+                <a:cs typeface="+mn-cs"/>
+              </a:rPr>
+              <a:t>Mem[4]</a:t>
+            </a:r>
+            <a:r>
+              <a:rPr lang="zh-CN" altLang="zh-CN" sz="1200" kern="1200" dirty="0">
+                <a:solidFill>
+                  <a:schemeClr val="tx1"/>
+                </a:solidFill>
+                <a:effectLst/>
+                <a:latin typeface="+mn-lt"/>
+                <a:ea typeface="黑体" panose="02010609060101010101" pitchFamily="49" charset="-122"/>
+                <a:cs typeface="+mn-cs"/>
+              </a:rPr>
+              <a:t>到</a:t>
+            </a:r>
+            <a:r>
+              <a:rPr lang="en-US" altLang="zh-CN" sz="1200" kern="1200" dirty="0">
+                <a:solidFill>
+                  <a:schemeClr val="tx1"/>
+                </a:solidFill>
+                <a:effectLst/>
+                <a:latin typeface="+mn-lt"/>
+                <a:ea typeface="黑体" panose="02010609060101010101" pitchFamily="49" charset="-122"/>
+                <a:cs typeface="+mn-cs"/>
+              </a:rPr>
+              <a:t>$</a:t>
+            </a:r>
+            <a:r>
+              <a:rPr lang="en-US" altLang="zh-CN" sz="1200" kern="1200" dirty="0" err="1">
+                <a:solidFill>
+                  <a:schemeClr val="tx1"/>
+                </a:solidFill>
+                <a:effectLst/>
+                <a:latin typeface="+mn-lt"/>
+                <a:ea typeface="黑体" panose="02010609060101010101" pitchFamily="49" charset="-122"/>
+                <a:cs typeface="+mn-cs"/>
+              </a:rPr>
+              <a:t>s2</a:t>
+            </a:r>
+            <a:endParaRPr lang="en-US" altLang="zh-CN" sz="1200" kern="1200" dirty="0">
+              <a:solidFill>
+                <a:schemeClr val="tx1"/>
+              </a:solidFill>
+              <a:effectLst/>
+              <a:latin typeface="+mn-lt"/>
+              <a:ea typeface="黑体" panose="02010609060101010101" pitchFamily="49" charset="-122"/>
+              <a:cs typeface="+mn-cs"/>
+            </a:endParaRPr>
+          </a:p>
+          <a:p>
+            <a:pPr marL="0" marR="0" lvl="0" indent="0" algn="l" defTabSz="914400" rtl="0" eaLnBrk="1" fontAlgn="auto" latinLnBrk="0" hangingPunct="1">
+              <a:lnSpc>
+                <a:spcPct val="100000"/>
+              </a:lnSpc>
+              <a:spcBef>
+                <a:spcPts val="0"/>
+              </a:spcBef>
+              <a:spcAft>
+                <a:spcPts val="0"/>
+              </a:spcAft>
+              <a:buClrTx/>
+              <a:buSzTx/>
+              <a:buFontTx/>
+              <a:buNone/>
+              <a:tabLst/>
+              <a:defRPr/>
+            </a:pPr>
+            <a:r>
+              <a:rPr lang="en-US" altLang="zh-CN" sz="1200" kern="1200" dirty="0">
+                <a:solidFill>
+                  <a:schemeClr val="tx1"/>
+                </a:solidFill>
+                <a:effectLst/>
+                <a:latin typeface="+mn-lt"/>
+                <a:ea typeface="黑体" panose="02010609060101010101" pitchFamily="49" charset="-122"/>
+                <a:cs typeface="+mn-cs"/>
+              </a:rPr>
+              <a:t>PC=12</a:t>
+            </a:r>
+            <a:r>
+              <a:rPr lang="zh-CN" altLang="zh-CN" sz="1200" kern="1200" dirty="0">
+                <a:solidFill>
+                  <a:schemeClr val="tx1"/>
+                </a:solidFill>
+                <a:effectLst/>
+                <a:latin typeface="+mn-lt"/>
+                <a:ea typeface="黑体" panose="02010609060101010101" pitchFamily="49" charset="-122"/>
+                <a:cs typeface="+mn-cs"/>
+              </a:rPr>
+              <a:t>，</a:t>
+            </a:r>
+            <a:r>
+              <a:rPr lang="en-US" altLang="zh-CN" sz="1200" kern="1200" dirty="0">
+                <a:solidFill>
+                  <a:schemeClr val="tx1"/>
+                </a:solidFill>
+                <a:effectLst/>
+                <a:latin typeface="+mn-lt"/>
+                <a:ea typeface="黑体" panose="02010609060101010101" pitchFamily="49" charset="-122"/>
+                <a:cs typeface="+mn-cs"/>
+              </a:rPr>
+              <a:t>Inst=</a:t>
+            </a:r>
+            <a:r>
+              <a:rPr lang="en-US" altLang="zh-CN" sz="1200" kern="1200" dirty="0" err="1">
+                <a:solidFill>
+                  <a:schemeClr val="tx1"/>
+                </a:solidFill>
+                <a:effectLst/>
+                <a:latin typeface="+mn-lt"/>
+                <a:ea typeface="黑体" panose="02010609060101010101" pitchFamily="49" charset="-122"/>
+                <a:cs typeface="+mn-cs"/>
+              </a:rPr>
+              <a:t>0x02329822</a:t>
+            </a:r>
+            <a:r>
+              <a:rPr lang="zh-CN" altLang="zh-CN" sz="1200" kern="1200" dirty="0">
+                <a:solidFill>
+                  <a:schemeClr val="tx1"/>
+                </a:solidFill>
+                <a:effectLst/>
+                <a:latin typeface="+mn-lt"/>
+                <a:ea typeface="黑体" panose="02010609060101010101" pitchFamily="49" charset="-122"/>
+                <a:cs typeface="+mn-cs"/>
+              </a:rPr>
+              <a:t>，置</a:t>
+            </a:r>
+            <a:r>
+              <a:rPr lang="en-US" altLang="zh-CN" sz="1200" kern="1200" dirty="0">
+                <a:solidFill>
+                  <a:schemeClr val="tx1"/>
+                </a:solidFill>
+                <a:effectLst/>
+                <a:latin typeface="+mn-lt"/>
+                <a:ea typeface="黑体" panose="02010609060101010101" pitchFamily="49" charset="-122"/>
+                <a:cs typeface="+mn-cs"/>
+              </a:rPr>
+              <a:t>$</a:t>
+            </a:r>
+            <a:r>
+              <a:rPr lang="en-US" altLang="zh-CN" sz="1200" kern="1200" dirty="0" err="1">
+                <a:solidFill>
+                  <a:schemeClr val="tx1"/>
+                </a:solidFill>
+                <a:effectLst/>
+                <a:latin typeface="+mn-lt"/>
+                <a:ea typeface="黑体" panose="02010609060101010101" pitchFamily="49" charset="-122"/>
+                <a:cs typeface="+mn-cs"/>
+              </a:rPr>
+              <a:t>s3</a:t>
+            </a:r>
+            <a:r>
+              <a:rPr lang="zh-CN" altLang="zh-CN" sz="1200" kern="1200" dirty="0">
+                <a:solidFill>
+                  <a:schemeClr val="tx1"/>
+                </a:solidFill>
+                <a:effectLst/>
+                <a:latin typeface="+mn-lt"/>
+                <a:ea typeface="黑体" panose="02010609060101010101" pitchFamily="49" charset="-122"/>
+                <a:cs typeface="+mn-cs"/>
+              </a:rPr>
+              <a:t>为</a:t>
+            </a:r>
+            <a:r>
+              <a:rPr lang="en-US" altLang="zh-CN" sz="1200" kern="1200" dirty="0">
+                <a:solidFill>
+                  <a:schemeClr val="tx1"/>
+                </a:solidFill>
+                <a:effectLst/>
+                <a:latin typeface="+mn-lt"/>
+                <a:ea typeface="黑体" panose="02010609060101010101" pitchFamily="49" charset="-122"/>
+                <a:cs typeface="+mn-cs"/>
+              </a:rPr>
+              <a:t>$</a:t>
+            </a:r>
+            <a:r>
+              <a:rPr lang="en-US" altLang="zh-CN" sz="1200" kern="1200" dirty="0" err="1">
+                <a:solidFill>
+                  <a:schemeClr val="tx1"/>
+                </a:solidFill>
+                <a:effectLst/>
+                <a:latin typeface="+mn-lt"/>
+                <a:ea typeface="黑体" panose="02010609060101010101" pitchFamily="49" charset="-122"/>
+                <a:cs typeface="+mn-cs"/>
+              </a:rPr>
+              <a:t>s1</a:t>
+            </a:r>
+            <a:r>
+              <a:rPr lang="en-US" altLang="zh-CN" sz="1200" kern="1200" dirty="0">
+                <a:solidFill>
+                  <a:schemeClr val="tx1"/>
+                </a:solidFill>
+                <a:effectLst/>
+                <a:latin typeface="+mn-lt"/>
+                <a:ea typeface="黑体" panose="02010609060101010101" pitchFamily="49" charset="-122"/>
+                <a:cs typeface="+mn-cs"/>
+              </a:rPr>
+              <a:t>-$</a:t>
+            </a:r>
+            <a:r>
+              <a:rPr lang="en-US" altLang="zh-CN" sz="1200" kern="1200" dirty="0" err="1">
+                <a:solidFill>
+                  <a:schemeClr val="tx1"/>
+                </a:solidFill>
+                <a:effectLst/>
+                <a:latin typeface="+mn-lt"/>
+                <a:ea typeface="黑体" panose="02010609060101010101" pitchFamily="49" charset="-122"/>
+                <a:cs typeface="+mn-cs"/>
+              </a:rPr>
+              <a:t>s2</a:t>
+            </a:r>
+            <a:endParaRPr lang="en-US" altLang="zh-CN" sz="1200" kern="1200" dirty="0">
+              <a:solidFill>
+                <a:schemeClr val="tx1"/>
+              </a:solidFill>
+              <a:effectLst/>
+              <a:latin typeface="+mn-lt"/>
+              <a:ea typeface="黑体" panose="02010609060101010101" pitchFamily="49" charset="-122"/>
+              <a:cs typeface="+mn-cs"/>
+            </a:endParaRPr>
+          </a:p>
+          <a:p>
+            <a:pPr marL="0" marR="0" lvl="0" indent="0" algn="l" defTabSz="914400" rtl="0" eaLnBrk="1" fontAlgn="auto" latinLnBrk="0" hangingPunct="1">
+              <a:lnSpc>
+                <a:spcPct val="100000"/>
+              </a:lnSpc>
+              <a:spcBef>
+                <a:spcPts val="0"/>
+              </a:spcBef>
+              <a:spcAft>
+                <a:spcPts val="0"/>
+              </a:spcAft>
+              <a:buClrTx/>
+              <a:buSzTx/>
+              <a:buFontTx/>
+              <a:buNone/>
+              <a:tabLst/>
+              <a:defRPr/>
+            </a:pPr>
+            <a:r>
+              <a:rPr lang="en-US" altLang="zh-CN" sz="1200" kern="1200" dirty="0">
+                <a:solidFill>
+                  <a:schemeClr val="tx1"/>
+                </a:solidFill>
+                <a:effectLst/>
+                <a:latin typeface="+mn-lt"/>
+                <a:ea typeface="黑体" panose="02010609060101010101" pitchFamily="49" charset="-122"/>
+                <a:cs typeface="+mn-cs"/>
+              </a:rPr>
+              <a:t>PC=16</a:t>
+            </a:r>
+            <a:r>
+              <a:rPr lang="zh-CN" altLang="zh-CN" sz="1200" kern="1200" dirty="0">
+                <a:solidFill>
+                  <a:schemeClr val="tx1"/>
+                </a:solidFill>
+                <a:effectLst/>
+                <a:latin typeface="+mn-lt"/>
+                <a:ea typeface="黑体" panose="02010609060101010101" pitchFamily="49" charset="-122"/>
+                <a:cs typeface="+mn-cs"/>
+              </a:rPr>
+              <a:t>，</a:t>
+            </a:r>
+            <a:r>
+              <a:rPr lang="en-US" altLang="zh-CN" sz="1200" kern="1200" dirty="0">
+                <a:solidFill>
+                  <a:schemeClr val="tx1"/>
+                </a:solidFill>
+                <a:effectLst/>
+                <a:latin typeface="+mn-lt"/>
+                <a:ea typeface="黑体" panose="02010609060101010101" pitchFamily="49" charset="-122"/>
+                <a:cs typeface="+mn-cs"/>
+              </a:rPr>
+              <a:t>Inst=</a:t>
+            </a:r>
+            <a:r>
+              <a:rPr lang="en-US" altLang="zh-CN" sz="1200" kern="1200" dirty="0" err="1">
+                <a:solidFill>
+                  <a:schemeClr val="tx1"/>
+                </a:solidFill>
+                <a:effectLst/>
+                <a:latin typeface="+mn-lt"/>
+                <a:ea typeface="黑体" panose="02010609060101010101" pitchFamily="49" charset="-122"/>
+                <a:cs typeface="+mn-cs"/>
+              </a:rPr>
+              <a:t>0x02328820</a:t>
+            </a:r>
+            <a:r>
+              <a:rPr lang="zh-CN" altLang="zh-CN" sz="1200" kern="1200" dirty="0">
+                <a:solidFill>
+                  <a:schemeClr val="tx1"/>
+                </a:solidFill>
+                <a:effectLst/>
+                <a:latin typeface="+mn-lt"/>
+                <a:ea typeface="黑体" panose="02010609060101010101" pitchFamily="49" charset="-122"/>
+                <a:cs typeface="+mn-cs"/>
+              </a:rPr>
+              <a:t>，置</a:t>
+            </a:r>
+            <a:r>
+              <a:rPr lang="en-US" altLang="zh-CN" sz="1200" kern="1200" dirty="0">
+                <a:solidFill>
+                  <a:schemeClr val="tx1"/>
+                </a:solidFill>
+                <a:effectLst/>
+                <a:latin typeface="+mn-lt"/>
+                <a:ea typeface="黑体" panose="02010609060101010101" pitchFamily="49" charset="-122"/>
+                <a:cs typeface="+mn-cs"/>
+              </a:rPr>
+              <a:t>$</a:t>
+            </a:r>
+            <a:r>
+              <a:rPr lang="en-US" altLang="zh-CN" sz="1200" kern="1200" dirty="0" err="1">
+                <a:solidFill>
+                  <a:schemeClr val="tx1"/>
+                </a:solidFill>
+                <a:effectLst/>
+                <a:latin typeface="+mn-lt"/>
+                <a:ea typeface="黑体" panose="02010609060101010101" pitchFamily="49" charset="-122"/>
+                <a:cs typeface="+mn-cs"/>
+              </a:rPr>
+              <a:t>s1</a:t>
+            </a:r>
+            <a:r>
+              <a:rPr lang="zh-CN" altLang="zh-CN" sz="1200" kern="1200" dirty="0">
+                <a:solidFill>
+                  <a:schemeClr val="tx1"/>
+                </a:solidFill>
+                <a:effectLst/>
+                <a:latin typeface="+mn-lt"/>
+                <a:ea typeface="黑体" panose="02010609060101010101" pitchFamily="49" charset="-122"/>
+                <a:cs typeface="+mn-cs"/>
+              </a:rPr>
+              <a:t>为</a:t>
+            </a:r>
+            <a:r>
+              <a:rPr lang="en-US" altLang="zh-CN" sz="1200" kern="1200" dirty="0">
+                <a:solidFill>
+                  <a:schemeClr val="tx1"/>
+                </a:solidFill>
+                <a:effectLst/>
+                <a:latin typeface="+mn-lt"/>
+                <a:ea typeface="黑体" panose="02010609060101010101" pitchFamily="49" charset="-122"/>
+                <a:cs typeface="+mn-cs"/>
+              </a:rPr>
+              <a:t>$</a:t>
+            </a:r>
+            <a:r>
+              <a:rPr lang="en-US" altLang="zh-CN" sz="1200" kern="1200" dirty="0" err="1">
+                <a:solidFill>
+                  <a:schemeClr val="tx1"/>
+                </a:solidFill>
+                <a:effectLst/>
+                <a:latin typeface="+mn-lt"/>
+                <a:ea typeface="黑体" panose="02010609060101010101" pitchFamily="49" charset="-122"/>
+                <a:cs typeface="+mn-cs"/>
+              </a:rPr>
+              <a:t>s1</a:t>
+            </a:r>
+            <a:r>
+              <a:rPr lang="en-US" altLang="zh-CN" sz="1200" kern="1200" dirty="0">
+                <a:solidFill>
+                  <a:schemeClr val="tx1"/>
+                </a:solidFill>
+                <a:effectLst/>
+                <a:latin typeface="+mn-lt"/>
+                <a:ea typeface="黑体" panose="02010609060101010101" pitchFamily="49" charset="-122"/>
+                <a:cs typeface="+mn-cs"/>
+              </a:rPr>
+              <a:t>+$</a:t>
+            </a:r>
+            <a:r>
+              <a:rPr lang="en-US" altLang="zh-CN" sz="1200" kern="1200" dirty="0" err="1">
+                <a:solidFill>
+                  <a:schemeClr val="tx1"/>
+                </a:solidFill>
+                <a:effectLst/>
+                <a:latin typeface="+mn-lt"/>
+                <a:ea typeface="黑体" panose="02010609060101010101" pitchFamily="49" charset="-122"/>
+                <a:cs typeface="+mn-cs"/>
+              </a:rPr>
+              <a:t>s2</a:t>
+            </a:r>
+            <a:endParaRPr lang="en-US" altLang="zh-CN" sz="1200" kern="1200" dirty="0">
+              <a:solidFill>
+                <a:schemeClr val="tx1"/>
+              </a:solidFill>
+              <a:effectLst/>
+              <a:latin typeface="+mn-lt"/>
+              <a:ea typeface="黑体" panose="02010609060101010101" pitchFamily="49" charset="-122"/>
+              <a:cs typeface="+mn-cs"/>
+            </a:endParaRPr>
+          </a:p>
+        </p:txBody>
+      </p:sp>
+    </p:spTree>
+    <p:extLst>
+      <p:ext uri="{BB962C8B-B14F-4D97-AF65-F5344CB8AC3E}">
+        <p14:creationId xmlns:p14="http://schemas.microsoft.com/office/powerpoint/2010/main" val="1868934424"/>
+      </p:ext>
+    </p:extLst>
+  </p:cSld>
+  <p:clrMapOvr>
+    <a:masterClrMapping/>
+  </p:clrMapOvr>
+</p:notes>
+</file>
+
+<file path=ppt/notesSlides/notesSlide6.xml><?xml version="1.0" encoding="utf-8"?>
+<p:notes xmlns:a="http://schemas.openxmlformats.org/drawingml/2006/main" xmlns:r="http://schemas.openxmlformats.org/officeDocument/2006/relationships" xmlns:p="http://schemas.openxmlformats.org/presentationml/2006/main">
+  <p:cSld>
+    <p:spTree>
+      <p:nvGrpSpPr>
+        <p:cNvPr id="1" name=""/>
+        <p:cNvGrpSpPr/>
+        <p:nvPr/>
+      </p:nvGrpSpPr>
+      <p:grpSpPr>
+        <a:xfrm>
+          <a:off x="0" y="0"/>
+          <a:ext cx="0" cy="0"/>
+          <a:chOff x="0" y="0"/>
+          <a:chExt cx="0" cy="0"/>
+        </a:xfrm>
+      </p:grpSpPr>
+      <p:sp>
+        <p:nvSpPr>
+          <p:cNvPr id="2" name="幻灯片图像占位符 1"/>
+          <p:cNvSpPr>
+            <a:spLocks noGrp="1" noRot="1" noChangeAspect="1"/>
+          </p:cNvSpPr>
+          <p:nvPr>
+            <p:ph type="sldImg"/>
+          </p:nvPr>
+        </p:nvSpPr>
+        <p:spPr/>
+      </p:sp>
+      <p:sp>
+        <p:nvSpPr>
+          <p:cNvPr id="3" name="备注占位符 2"/>
+          <p:cNvSpPr>
+            <a:spLocks noGrp="1"/>
+          </p:cNvSpPr>
+          <p:nvPr>
+            <p:ph type="body" idx="1"/>
+          </p:nvPr>
+        </p:nvSpPr>
+        <p:spPr/>
+        <p:txBody>
+          <a:bodyPr/>
+          <a:lstStyle/>
+          <a:p>
+            <a:pPr marL="0" marR="0" lvl="0" indent="0" algn="l" defTabSz="914400" rtl="0" eaLnBrk="1" fontAlgn="auto" latinLnBrk="0" hangingPunct="1">
+              <a:lnSpc>
+                <a:spcPct val="100000"/>
+              </a:lnSpc>
+              <a:spcBef>
+                <a:spcPts val="0"/>
+              </a:spcBef>
+              <a:spcAft>
+                <a:spcPts val="0"/>
+              </a:spcAft>
+              <a:buClrTx/>
+              <a:buSzTx/>
+              <a:buFontTx/>
+              <a:buNone/>
+              <a:tabLst/>
+              <a:defRPr/>
+            </a:pPr>
+            <a:r>
+              <a:rPr lang="en-US" altLang="zh-CN" sz="1200" kern="1200" dirty="0">
+                <a:solidFill>
+                  <a:schemeClr val="tx1"/>
+                </a:solidFill>
+                <a:effectLst/>
+                <a:latin typeface="+mn-lt"/>
+                <a:ea typeface="黑体" panose="02010609060101010101" pitchFamily="49" charset="-122"/>
+                <a:cs typeface="+mn-cs"/>
+              </a:rPr>
+              <a:t>PC=20</a:t>
+            </a:r>
+            <a:r>
+              <a:rPr lang="zh-CN" altLang="zh-CN" sz="1200" kern="1200" dirty="0">
+                <a:solidFill>
+                  <a:schemeClr val="tx1"/>
+                </a:solidFill>
+                <a:effectLst/>
+                <a:latin typeface="+mn-lt"/>
+                <a:ea typeface="黑体" panose="02010609060101010101" pitchFamily="49" charset="-122"/>
+                <a:cs typeface="+mn-cs"/>
+              </a:rPr>
+              <a:t>，</a:t>
+            </a:r>
+            <a:r>
+              <a:rPr lang="en-US" altLang="zh-CN" sz="1200" kern="1200" dirty="0">
+                <a:solidFill>
+                  <a:schemeClr val="tx1"/>
+                </a:solidFill>
+                <a:effectLst/>
+                <a:latin typeface="+mn-lt"/>
+                <a:ea typeface="黑体" panose="02010609060101010101" pitchFamily="49" charset="-122"/>
+                <a:cs typeface="+mn-cs"/>
+              </a:rPr>
+              <a:t>Inst=</a:t>
+            </a:r>
+            <a:r>
+              <a:rPr lang="en-US" altLang="zh-CN" sz="1200" kern="1200" dirty="0" err="1">
+                <a:solidFill>
+                  <a:schemeClr val="tx1"/>
+                </a:solidFill>
+                <a:effectLst/>
+                <a:latin typeface="+mn-lt"/>
+                <a:ea typeface="黑体" panose="02010609060101010101" pitchFamily="49" charset="-122"/>
+                <a:cs typeface="+mn-cs"/>
+              </a:rPr>
+              <a:t>0x8cb20008</a:t>
+            </a:r>
+            <a:r>
+              <a:rPr lang="zh-CN" altLang="zh-CN" sz="1200" kern="1200" dirty="0">
+                <a:solidFill>
+                  <a:schemeClr val="tx1"/>
+                </a:solidFill>
+                <a:effectLst/>
+                <a:latin typeface="+mn-lt"/>
+                <a:ea typeface="黑体" panose="02010609060101010101" pitchFamily="49" charset="-122"/>
+                <a:cs typeface="+mn-cs"/>
+              </a:rPr>
+              <a:t>，读</a:t>
+            </a:r>
+            <a:r>
+              <a:rPr lang="en-US" altLang="zh-CN" sz="1200" kern="1200" dirty="0">
+                <a:solidFill>
+                  <a:schemeClr val="tx1"/>
+                </a:solidFill>
+                <a:effectLst/>
+                <a:latin typeface="+mn-lt"/>
+                <a:ea typeface="黑体" panose="02010609060101010101" pitchFamily="49" charset="-122"/>
+                <a:cs typeface="+mn-cs"/>
+              </a:rPr>
+              <a:t>Mem[8]</a:t>
+            </a:r>
+            <a:r>
+              <a:rPr lang="zh-CN" altLang="zh-CN" sz="1200" kern="1200" dirty="0">
+                <a:solidFill>
+                  <a:schemeClr val="tx1"/>
+                </a:solidFill>
+                <a:effectLst/>
+                <a:latin typeface="+mn-lt"/>
+                <a:ea typeface="黑体" panose="02010609060101010101" pitchFamily="49" charset="-122"/>
+                <a:cs typeface="+mn-cs"/>
+              </a:rPr>
+              <a:t>到</a:t>
+            </a:r>
+            <a:r>
+              <a:rPr lang="en-US" altLang="zh-CN" sz="1200" kern="1200" dirty="0">
+                <a:solidFill>
+                  <a:schemeClr val="tx1"/>
+                </a:solidFill>
+                <a:effectLst/>
+                <a:latin typeface="+mn-lt"/>
+                <a:ea typeface="黑体" panose="02010609060101010101" pitchFamily="49" charset="-122"/>
+                <a:cs typeface="+mn-cs"/>
+              </a:rPr>
+              <a:t>$</a:t>
+            </a:r>
+            <a:r>
+              <a:rPr lang="en-US" altLang="zh-CN" sz="1200" kern="1200" dirty="0" err="1">
+                <a:solidFill>
+                  <a:schemeClr val="tx1"/>
+                </a:solidFill>
+                <a:effectLst/>
+                <a:latin typeface="+mn-lt"/>
+                <a:ea typeface="黑体" panose="02010609060101010101" pitchFamily="49" charset="-122"/>
+                <a:cs typeface="+mn-cs"/>
+              </a:rPr>
+              <a:t>s2</a:t>
+            </a:r>
+            <a:endParaRPr lang="en-US" altLang="zh-CN" sz="1200" kern="1200" dirty="0">
+              <a:solidFill>
+                <a:schemeClr val="tx1"/>
+              </a:solidFill>
+              <a:effectLst/>
+              <a:latin typeface="+mn-lt"/>
+              <a:ea typeface="黑体" panose="02010609060101010101" pitchFamily="49" charset="-122"/>
+              <a:cs typeface="+mn-cs"/>
+            </a:endParaRPr>
+          </a:p>
+          <a:p>
+            <a:pPr marL="0" marR="0" lvl="0" indent="0" algn="l" defTabSz="914400" rtl="0" eaLnBrk="1" fontAlgn="auto" latinLnBrk="0" hangingPunct="1">
+              <a:lnSpc>
+                <a:spcPct val="100000"/>
+              </a:lnSpc>
+              <a:spcBef>
+                <a:spcPts val="0"/>
+              </a:spcBef>
+              <a:spcAft>
+                <a:spcPts val="0"/>
+              </a:spcAft>
+              <a:buClrTx/>
+              <a:buSzTx/>
+              <a:buFontTx/>
+              <a:buNone/>
+              <a:tabLst/>
+              <a:defRPr/>
+            </a:pPr>
+            <a:r>
+              <a:rPr lang="en-US" altLang="zh-CN" sz="1200" kern="1200" dirty="0">
+                <a:solidFill>
+                  <a:schemeClr val="tx1"/>
+                </a:solidFill>
+                <a:effectLst/>
+                <a:latin typeface="+mn-lt"/>
+                <a:ea typeface="黑体" panose="02010609060101010101" pitchFamily="49" charset="-122"/>
+                <a:cs typeface="+mn-cs"/>
+              </a:rPr>
+              <a:t>PC=24</a:t>
+            </a:r>
+            <a:r>
+              <a:rPr lang="zh-CN" altLang="zh-CN" sz="1200" kern="1200" dirty="0">
+                <a:solidFill>
+                  <a:schemeClr val="tx1"/>
+                </a:solidFill>
+                <a:effectLst/>
+                <a:latin typeface="+mn-lt"/>
+                <a:ea typeface="黑体" panose="02010609060101010101" pitchFamily="49" charset="-122"/>
+                <a:cs typeface="+mn-cs"/>
+              </a:rPr>
+              <a:t>，</a:t>
+            </a:r>
+            <a:r>
+              <a:rPr lang="en-US" altLang="zh-CN" sz="1200" kern="1200" dirty="0">
+                <a:solidFill>
+                  <a:schemeClr val="tx1"/>
+                </a:solidFill>
+                <a:effectLst/>
+                <a:latin typeface="+mn-lt"/>
+                <a:ea typeface="黑体" panose="02010609060101010101" pitchFamily="49" charset="-122"/>
+                <a:cs typeface="+mn-cs"/>
+              </a:rPr>
+              <a:t>Inst=</a:t>
+            </a:r>
+            <a:r>
+              <a:rPr lang="en-US" altLang="zh-CN" sz="1200" kern="1200" dirty="0" err="1">
+                <a:solidFill>
+                  <a:schemeClr val="tx1"/>
+                </a:solidFill>
+                <a:effectLst/>
+                <a:latin typeface="+mn-lt"/>
+                <a:ea typeface="黑体" panose="02010609060101010101" pitchFamily="49" charset="-122"/>
+                <a:cs typeface="+mn-cs"/>
+              </a:rPr>
+              <a:t>0x12320002</a:t>
+            </a:r>
+            <a:r>
+              <a:rPr lang="zh-CN" altLang="zh-CN" sz="1200" kern="1200" dirty="0">
+                <a:solidFill>
+                  <a:schemeClr val="tx1"/>
+                </a:solidFill>
+                <a:effectLst/>
+                <a:latin typeface="+mn-lt"/>
+                <a:ea typeface="黑体" panose="02010609060101010101" pitchFamily="49" charset="-122"/>
+                <a:cs typeface="+mn-cs"/>
+              </a:rPr>
+              <a:t>，根据</a:t>
+            </a:r>
+            <a:r>
+              <a:rPr lang="en-US" altLang="zh-CN" sz="1200" kern="1200" dirty="0">
+                <a:solidFill>
+                  <a:schemeClr val="tx1"/>
+                </a:solidFill>
+                <a:effectLst/>
+                <a:latin typeface="+mn-lt"/>
+                <a:ea typeface="黑体" panose="02010609060101010101" pitchFamily="49" charset="-122"/>
+                <a:cs typeface="+mn-cs"/>
+              </a:rPr>
+              <a:t>$</a:t>
+            </a:r>
+            <a:r>
+              <a:rPr lang="en-US" altLang="zh-CN" sz="1200" kern="1200" dirty="0" err="1">
+                <a:solidFill>
+                  <a:schemeClr val="tx1"/>
+                </a:solidFill>
+                <a:effectLst/>
+                <a:latin typeface="+mn-lt"/>
+                <a:ea typeface="黑体" panose="02010609060101010101" pitchFamily="49" charset="-122"/>
+                <a:cs typeface="+mn-cs"/>
+              </a:rPr>
+              <a:t>s1</a:t>
+            </a:r>
+            <a:r>
+              <a:rPr lang="zh-CN" altLang="zh-CN" sz="1200" kern="1200" dirty="0">
+                <a:solidFill>
+                  <a:schemeClr val="tx1"/>
+                </a:solidFill>
+                <a:effectLst/>
+                <a:latin typeface="+mn-lt"/>
+                <a:ea typeface="黑体" panose="02010609060101010101" pitchFamily="49" charset="-122"/>
+                <a:cs typeface="+mn-cs"/>
+              </a:rPr>
+              <a:t>和</a:t>
+            </a:r>
+            <a:r>
+              <a:rPr lang="en-US" altLang="zh-CN" sz="1200" kern="1200" dirty="0">
+                <a:solidFill>
+                  <a:schemeClr val="tx1"/>
+                </a:solidFill>
+                <a:effectLst/>
+                <a:latin typeface="+mn-lt"/>
+                <a:ea typeface="黑体" panose="02010609060101010101" pitchFamily="49" charset="-122"/>
+                <a:cs typeface="+mn-cs"/>
+              </a:rPr>
+              <a:t>$</a:t>
+            </a:r>
+            <a:r>
+              <a:rPr lang="en-US" altLang="zh-CN" sz="1200" kern="1200" dirty="0" err="1">
+                <a:solidFill>
+                  <a:schemeClr val="tx1"/>
+                </a:solidFill>
+                <a:effectLst/>
+                <a:latin typeface="+mn-lt"/>
+                <a:ea typeface="黑体" panose="02010609060101010101" pitchFamily="49" charset="-122"/>
+                <a:cs typeface="+mn-cs"/>
+              </a:rPr>
+              <a:t>s2</a:t>
+            </a:r>
+            <a:r>
+              <a:rPr lang="zh-CN" altLang="zh-CN" sz="1200" kern="1200" dirty="0">
+                <a:solidFill>
+                  <a:schemeClr val="tx1"/>
+                </a:solidFill>
+                <a:effectLst/>
+                <a:latin typeface="+mn-lt"/>
+                <a:ea typeface="黑体" panose="02010609060101010101" pitchFamily="49" charset="-122"/>
+                <a:cs typeface="+mn-cs"/>
+              </a:rPr>
+              <a:t>进行条件跳转（由于</a:t>
+            </a:r>
+            <a:r>
+              <a:rPr lang="en-US" altLang="zh-CN" sz="1200" kern="1200" dirty="0">
+                <a:solidFill>
+                  <a:schemeClr val="tx1"/>
+                </a:solidFill>
+                <a:effectLst/>
+                <a:latin typeface="+mn-lt"/>
+                <a:ea typeface="黑体" panose="02010609060101010101" pitchFamily="49" charset="-122"/>
+                <a:cs typeface="+mn-cs"/>
+              </a:rPr>
+              <a:t>$</a:t>
+            </a:r>
+            <a:r>
+              <a:rPr lang="en-US" altLang="zh-CN" sz="1200" kern="1200" dirty="0" err="1">
+                <a:solidFill>
+                  <a:schemeClr val="tx1"/>
+                </a:solidFill>
+                <a:effectLst/>
+                <a:latin typeface="+mn-lt"/>
+                <a:ea typeface="黑体" panose="02010609060101010101" pitchFamily="49" charset="-122"/>
+                <a:cs typeface="+mn-cs"/>
+              </a:rPr>
+              <a:t>s1</a:t>
+            </a:r>
+            <a:r>
+              <a:rPr lang="zh-CN" altLang="zh-CN" sz="1200" kern="1200" dirty="0">
+                <a:solidFill>
+                  <a:schemeClr val="tx1"/>
+                </a:solidFill>
+                <a:effectLst/>
+                <a:latin typeface="+mn-lt"/>
+                <a:ea typeface="黑体" panose="02010609060101010101" pitchFamily="49" charset="-122"/>
+                <a:cs typeface="+mn-cs"/>
+              </a:rPr>
+              <a:t>的值为</a:t>
+            </a:r>
+            <a:r>
+              <a:rPr lang="en-US" altLang="zh-CN" sz="1200" kern="1200" dirty="0">
+                <a:solidFill>
+                  <a:schemeClr val="tx1"/>
+                </a:solidFill>
+                <a:effectLst/>
+                <a:latin typeface="+mn-lt"/>
+                <a:ea typeface="黑体" panose="02010609060101010101" pitchFamily="49" charset="-122"/>
+                <a:cs typeface="+mn-cs"/>
+              </a:rPr>
+              <a:t>5</a:t>
+            </a:r>
+            <a:r>
+              <a:rPr lang="zh-CN" altLang="zh-CN" sz="1200" kern="1200" dirty="0">
+                <a:solidFill>
+                  <a:schemeClr val="tx1"/>
+                </a:solidFill>
+                <a:effectLst/>
+                <a:latin typeface="+mn-lt"/>
+                <a:ea typeface="黑体" panose="02010609060101010101" pitchFamily="49" charset="-122"/>
+                <a:cs typeface="+mn-cs"/>
+              </a:rPr>
+              <a:t>，</a:t>
+            </a:r>
+            <a:r>
+              <a:rPr lang="en-US" altLang="zh-CN" sz="1200" kern="1200" dirty="0">
+                <a:solidFill>
+                  <a:schemeClr val="tx1"/>
+                </a:solidFill>
+                <a:effectLst/>
+                <a:latin typeface="+mn-lt"/>
+                <a:ea typeface="黑体" panose="02010609060101010101" pitchFamily="49" charset="-122"/>
+                <a:cs typeface="+mn-cs"/>
+              </a:rPr>
+              <a:t>$</a:t>
+            </a:r>
+            <a:r>
+              <a:rPr lang="en-US" altLang="zh-CN" sz="1200" kern="1200" dirty="0" err="1">
+                <a:solidFill>
+                  <a:schemeClr val="tx1"/>
+                </a:solidFill>
+                <a:effectLst/>
+                <a:latin typeface="+mn-lt"/>
+                <a:ea typeface="黑体" panose="02010609060101010101" pitchFamily="49" charset="-122"/>
+                <a:cs typeface="+mn-cs"/>
+              </a:rPr>
+              <a:t>s2</a:t>
+            </a:r>
+            <a:r>
+              <a:rPr lang="zh-CN" altLang="zh-CN" sz="1200" kern="1200" dirty="0">
+                <a:solidFill>
+                  <a:schemeClr val="tx1"/>
+                </a:solidFill>
+                <a:effectLst/>
+                <a:latin typeface="+mn-lt"/>
+                <a:ea typeface="黑体" panose="02010609060101010101" pitchFamily="49" charset="-122"/>
+                <a:cs typeface="+mn-cs"/>
+              </a:rPr>
+              <a:t>的值为</a:t>
+            </a:r>
+            <a:r>
+              <a:rPr lang="en-US" altLang="zh-CN" sz="1200" kern="1200" dirty="0">
+                <a:solidFill>
+                  <a:schemeClr val="tx1"/>
+                </a:solidFill>
+                <a:effectLst/>
+                <a:latin typeface="+mn-lt"/>
+                <a:ea typeface="黑体" panose="02010609060101010101" pitchFamily="49" charset="-122"/>
+                <a:cs typeface="+mn-cs"/>
+              </a:rPr>
+              <a:t>6</a:t>
+            </a:r>
+            <a:r>
+              <a:rPr lang="zh-CN" altLang="zh-CN" sz="1200" kern="1200" dirty="0">
+                <a:solidFill>
+                  <a:schemeClr val="tx1"/>
+                </a:solidFill>
+                <a:effectLst/>
+                <a:latin typeface="+mn-lt"/>
+                <a:ea typeface="黑体" panose="02010609060101010101" pitchFamily="49" charset="-122"/>
+                <a:cs typeface="+mn-cs"/>
+              </a:rPr>
+              <a:t>，不发生跳转）</a:t>
+            </a:r>
+            <a:endParaRPr lang="en-US" altLang="zh-CN" sz="1200" kern="1200" dirty="0">
+              <a:solidFill>
+                <a:schemeClr val="tx1"/>
+              </a:solidFill>
+              <a:effectLst/>
+              <a:latin typeface="+mn-lt"/>
+              <a:ea typeface="黑体" panose="02010609060101010101" pitchFamily="49" charset="-122"/>
+              <a:cs typeface="+mn-cs"/>
+            </a:endParaRPr>
+          </a:p>
+          <a:p>
+            <a:pPr marL="0" marR="0" lvl="0" indent="0" algn="l" defTabSz="914400" rtl="0" eaLnBrk="1" fontAlgn="auto" latinLnBrk="0" hangingPunct="1">
+              <a:lnSpc>
+                <a:spcPct val="100000"/>
+              </a:lnSpc>
+              <a:spcBef>
+                <a:spcPts val="0"/>
+              </a:spcBef>
+              <a:spcAft>
+                <a:spcPts val="0"/>
+              </a:spcAft>
+              <a:buClrTx/>
+              <a:buSzTx/>
+              <a:buFontTx/>
+              <a:buNone/>
+              <a:tabLst/>
+              <a:defRPr/>
+            </a:pPr>
+            <a:r>
+              <a:rPr lang="en-US" altLang="zh-CN" sz="1200" kern="1200" dirty="0">
+                <a:solidFill>
+                  <a:schemeClr val="tx1"/>
+                </a:solidFill>
+                <a:effectLst/>
+                <a:latin typeface="+mn-lt"/>
+                <a:ea typeface="黑体" panose="02010609060101010101" pitchFamily="49" charset="-122"/>
+                <a:cs typeface="+mn-cs"/>
+              </a:rPr>
+              <a:t>PC=28</a:t>
+            </a:r>
+            <a:r>
+              <a:rPr lang="zh-CN" altLang="zh-CN" sz="1200" kern="1200" dirty="0">
+                <a:solidFill>
+                  <a:schemeClr val="tx1"/>
+                </a:solidFill>
+                <a:effectLst/>
+                <a:latin typeface="+mn-lt"/>
+                <a:ea typeface="黑体" panose="02010609060101010101" pitchFamily="49" charset="-122"/>
+                <a:cs typeface="+mn-cs"/>
+              </a:rPr>
+              <a:t>，</a:t>
+            </a:r>
+            <a:r>
+              <a:rPr lang="en-US" altLang="zh-CN" sz="1200" kern="1200" dirty="0">
+                <a:solidFill>
+                  <a:schemeClr val="tx1"/>
+                </a:solidFill>
+                <a:effectLst/>
+                <a:latin typeface="+mn-lt"/>
+                <a:ea typeface="黑体" panose="02010609060101010101" pitchFamily="49" charset="-122"/>
+                <a:cs typeface="+mn-cs"/>
+              </a:rPr>
+              <a:t>Inst=</a:t>
+            </a:r>
+            <a:r>
+              <a:rPr lang="en-US" altLang="zh-CN" sz="1200" kern="1200" dirty="0" err="1">
+                <a:solidFill>
+                  <a:schemeClr val="tx1"/>
+                </a:solidFill>
+                <a:effectLst/>
+                <a:latin typeface="+mn-lt"/>
+                <a:ea typeface="黑体" panose="02010609060101010101" pitchFamily="49" charset="-122"/>
+                <a:cs typeface="+mn-cs"/>
+              </a:rPr>
+              <a:t>0xacb3000c</a:t>
+            </a:r>
+            <a:r>
+              <a:rPr lang="zh-CN" altLang="zh-CN" sz="1200" kern="1200" dirty="0">
+                <a:solidFill>
+                  <a:schemeClr val="tx1"/>
+                </a:solidFill>
+                <a:effectLst/>
+                <a:latin typeface="+mn-lt"/>
+                <a:ea typeface="黑体" panose="02010609060101010101" pitchFamily="49" charset="-122"/>
+                <a:cs typeface="+mn-cs"/>
+              </a:rPr>
+              <a:t>，写</a:t>
+            </a:r>
+            <a:r>
+              <a:rPr lang="en-US" altLang="zh-CN" sz="1200" kern="1200" dirty="0">
+                <a:solidFill>
+                  <a:schemeClr val="tx1"/>
+                </a:solidFill>
+                <a:effectLst/>
+                <a:latin typeface="+mn-lt"/>
+                <a:ea typeface="黑体" panose="02010609060101010101" pitchFamily="49" charset="-122"/>
+                <a:cs typeface="+mn-cs"/>
+              </a:rPr>
+              <a:t>$</a:t>
+            </a:r>
+            <a:r>
+              <a:rPr lang="en-US" altLang="zh-CN" sz="1200" kern="1200" dirty="0" err="1">
+                <a:solidFill>
+                  <a:schemeClr val="tx1"/>
+                </a:solidFill>
+                <a:effectLst/>
+                <a:latin typeface="+mn-lt"/>
+                <a:ea typeface="黑体" panose="02010609060101010101" pitchFamily="49" charset="-122"/>
+                <a:cs typeface="+mn-cs"/>
+              </a:rPr>
+              <a:t>s3</a:t>
+            </a:r>
+            <a:r>
+              <a:rPr lang="zh-CN" altLang="zh-CN" sz="1200" kern="1200" dirty="0">
+                <a:solidFill>
+                  <a:schemeClr val="tx1"/>
+                </a:solidFill>
+                <a:effectLst/>
+                <a:latin typeface="+mn-lt"/>
+                <a:ea typeface="黑体" panose="02010609060101010101" pitchFamily="49" charset="-122"/>
+                <a:cs typeface="+mn-cs"/>
+              </a:rPr>
+              <a:t>到</a:t>
+            </a:r>
+            <a:r>
+              <a:rPr lang="en-US" altLang="zh-CN" sz="1200" kern="1200" dirty="0">
+                <a:solidFill>
+                  <a:schemeClr val="tx1"/>
+                </a:solidFill>
+                <a:effectLst/>
+                <a:latin typeface="+mn-lt"/>
+                <a:ea typeface="黑体" panose="02010609060101010101" pitchFamily="49" charset="-122"/>
+                <a:cs typeface="+mn-cs"/>
+              </a:rPr>
+              <a:t>Mem[12]</a:t>
+            </a:r>
+          </a:p>
+          <a:p>
+            <a:pPr marL="0" marR="0" lvl="0" indent="0" algn="l" defTabSz="914400" rtl="0" eaLnBrk="1" fontAlgn="auto" latinLnBrk="0" hangingPunct="1">
+              <a:lnSpc>
+                <a:spcPct val="100000"/>
+              </a:lnSpc>
+              <a:spcBef>
+                <a:spcPts val="0"/>
+              </a:spcBef>
+              <a:spcAft>
+                <a:spcPts val="0"/>
+              </a:spcAft>
+              <a:buClrTx/>
+              <a:buSzTx/>
+              <a:buFontTx/>
+              <a:buNone/>
+              <a:tabLst/>
+              <a:defRPr/>
+            </a:pPr>
+            <a:r>
+              <a:rPr lang="en-US" altLang="zh-CN" sz="1200" kern="1200" dirty="0">
+                <a:solidFill>
+                  <a:schemeClr val="tx1"/>
+                </a:solidFill>
+                <a:effectLst/>
+                <a:latin typeface="+mn-lt"/>
+                <a:ea typeface="黑体" panose="02010609060101010101" pitchFamily="49" charset="-122"/>
+                <a:cs typeface="+mn-cs"/>
+              </a:rPr>
+              <a:t>PC=32</a:t>
+            </a:r>
+            <a:r>
+              <a:rPr lang="zh-CN" altLang="zh-CN" sz="1200" kern="1200" dirty="0">
+                <a:solidFill>
+                  <a:schemeClr val="tx1"/>
+                </a:solidFill>
+                <a:effectLst/>
+                <a:latin typeface="+mn-lt"/>
+                <a:ea typeface="黑体" panose="02010609060101010101" pitchFamily="49" charset="-122"/>
+                <a:cs typeface="+mn-cs"/>
+              </a:rPr>
+              <a:t>，</a:t>
+            </a:r>
+            <a:r>
+              <a:rPr lang="en-US" altLang="zh-CN" sz="1200" kern="1200" dirty="0">
+                <a:solidFill>
+                  <a:schemeClr val="tx1"/>
+                </a:solidFill>
+                <a:effectLst/>
+                <a:latin typeface="+mn-lt"/>
+                <a:ea typeface="黑体" panose="02010609060101010101" pitchFamily="49" charset="-122"/>
+                <a:cs typeface="+mn-cs"/>
+              </a:rPr>
+              <a:t>Inst=</a:t>
+            </a:r>
+            <a:r>
+              <a:rPr lang="en-US" altLang="zh-CN" sz="1200" kern="1200" dirty="0" err="1">
+                <a:solidFill>
+                  <a:schemeClr val="tx1"/>
+                </a:solidFill>
+                <a:effectLst/>
+                <a:latin typeface="+mn-lt"/>
+                <a:ea typeface="黑体" panose="02010609060101010101" pitchFamily="49" charset="-122"/>
+                <a:cs typeface="+mn-cs"/>
+              </a:rPr>
+              <a:t>0x08000000</a:t>
+            </a:r>
+            <a:r>
+              <a:rPr lang="zh-CN" altLang="zh-CN" sz="1200" kern="1200" dirty="0">
+                <a:solidFill>
+                  <a:schemeClr val="tx1"/>
+                </a:solidFill>
+                <a:effectLst/>
+                <a:latin typeface="+mn-lt"/>
+                <a:ea typeface="黑体" panose="02010609060101010101" pitchFamily="49" charset="-122"/>
+                <a:cs typeface="+mn-cs"/>
+              </a:rPr>
+              <a:t>，无条件跳转，构成循环</a:t>
+            </a:r>
+            <a:endParaRPr lang="en-US" altLang="zh-CN" sz="1200" kern="1200" dirty="0">
+              <a:solidFill>
+                <a:schemeClr val="tx1"/>
+              </a:solidFill>
+              <a:effectLst/>
+              <a:latin typeface="+mn-lt"/>
+              <a:ea typeface="黑体" panose="02010609060101010101" pitchFamily="49" charset="-122"/>
+              <a:cs typeface="+mn-cs"/>
+            </a:endParaRPr>
+          </a:p>
+          <a:p>
+            <a:pPr marL="0" marR="0" lvl="0" indent="0" algn="l" defTabSz="914400" rtl="0" eaLnBrk="1" fontAlgn="auto" latinLnBrk="0" hangingPunct="1">
+              <a:lnSpc>
+                <a:spcPct val="100000"/>
+              </a:lnSpc>
+              <a:spcBef>
+                <a:spcPts val="0"/>
+              </a:spcBef>
+              <a:spcAft>
+                <a:spcPts val="0"/>
+              </a:spcAft>
+              <a:buClrTx/>
+              <a:buSzTx/>
+              <a:buFontTx/>
+              <a:buNone/>
+              <a:tabLst/>
+              <a:defRPr/>
+            </a:pPr>
+            <a:r>
+              <a:rPr lang="en-US" altLang="zh-CN" sz="1200" kern="1200" dirty="0">
+                <a:solidFill>
+                  <a:schemeClr val="tx1"/>
+                </a:solidFill>
+                <a:effectLst/>
+                <a:latin typeface="+mn-lt"/>
+                <a:ea typeface="黑体" panose="02010609060101010101" pitchFamily="49" charset="-122"/>
+                <a:cs typeface="+mn-cs"/>
+              </a:rPr>
+              <a:t>PC=0</a:t>
+            </a:r>
+            <a:r>
+              <a:rPr lang="zh-CN" altLang="zh-CN" sz="1200" kern="1200" dirty="0">
+                <a:solidFill>
+                  <a:schemeClr val="tx1"/>
+                </a:solidFill>
+                <a:effectLst/>
+                <a:latin typeface="+mn-lt"/>
+                <a:ea typeface="黑体" panose="02010609060101010101" pitchFamily="49" charset="-122"/>
+                <a:cs typeface="+mn-cs"/>
+              </a:rPr>
+              <a:t>，</a:t>
+            </a:r>
+            <a:r>
+              <a:rPr lang="en-US" altLang="zh-CN" sz="1200" kern="1200" dirty="0">
+                <a:solidFill>
+                  <a:schemeClr val="tx1"/>
+                </a:solidFill>
+                <a:effectLst/>
+                <a:latin typeface="+mn-lt"/>
+                <a:ea typeface="黑体" panose="02010609060101010101" pitchFamily="49" charset="-122"/>
+                <a:cs typeface="+mn-cs"/>
+              </a:rPr>
+              <a:t>Inst=</a:t>
+            </a:r>
+            <a:r>
+              <a:rPr lang="en-US" altLang="zh-CN" sz="1200" kern="1200" dirty="0" err="1">
+                <a:solidFill>
+                  <a:schemeClr val="tx1"/>
+                </a:solidFill>
+                <a:effectLst/>
+                <a:latin typeface="+mn-lt"/>
+                <a:ea typeface="黑体" panose="02010609060101010101" pitchFamily="49" charset="-122"/>
+                <a:cs typeface="+mn-cs"/>
+              </a:rPr>
+              <a:t>0x00002820</a:t>
+            </a:r>
+            <a:r>
+              <a:rPr lang="zh-CN" altLang="zh-CN" sz="1200" kern="1200" dirty="0">
+                <a:solidFill>
+                  <a:schemeClr val="tx1"/>
+                </a:solidFill>
+                <a:effectLst/>
+                <a:latin typeface="+mn-lt"/>
+                <a:ea typeface="黑体" panose="02010609060101010101" pitchFamily="49" charset="-122"/>
+                <a:cs typeface="+mn-cs"/>
+              </a:rPr>
+              <a:t>，置</a:t>
+            </a:r>
+            <a:r>
+              <a:rPr lang="en-US" altLang="zh-CN" sz="1200" kern="1200" dirty="0">
+                <a:solidFill>
+                  <a:schemeClr val="tx1"/>
+                </a:solidFill>
+                <a:effectLst/>
+                <a:latin typeface="+mn-lt"/>
+                <a:ea typeface="黑体" panose="02010609060101010101" pitchFamily="49" charset="-122"/>
+                <a:cs typeface="+mn-cs"/>
+              </a:rPr>
+              <a:t>$</a:t>
+            </a:r>
+            <a:r>
+              <a:rPr lang="en-US" altLang="zh-CN" sz="1200" kern="1200" dirty="0" err="1">
+                <a:solidFill>
+                  <a:schemeClr val="tx1"/>
+                </a:solidFill>
+                <a:effectLst/>
+                <a:latin typeface="+mn-lt"/>
+                <a:ea typeface="黑体" panose="02010609060101010101" pitchFamily="49" charset="-122"/>
+                <a:cs typeface="+mn-cs"/>
+              </a:rPr>
+              <a:t>a1</a:t>
+            </a:r>
+            <a:r>
+              <a:rPr lang="zh-CN" altLang="zh-CN" sz="1200" kern="1200" dirty="0">
+                <a:solidFill>
+                  <a:schemeClr val="tx1"/>
+                </a:solidFill>
+                <a:effectLst/>
+                <a:latin typeface="+mn-lt"/>
+                <a:ea typeface="黑体" panose="02010609060101010101" pitchFamily="49" charset="-122"/>
+                <a:cs typeface="+mn-cs"/>
+              </a:rPr>
+              <a:t>为</a:t>
+            </a:r>
+            <a:r>
+              <a:rPr lang="en-US" altLang="zh-CN" sz="1200" kern="1200" dirty="0">
+                <a:solidFill>
+                  <a:schemeClr val="tx1"/>
+                </a:solidFill>
+                <a:effectLst/>
+                <a:latin typeface="+mn-lt"/>
+                <a:ea typeface="黑体" panose="02010609060101010101" pitchFamily="49" charset="-122"/>
+                <a:cs typeface="+mn-cs"/>
+              </a:rPr>
+              <a:t>0</a:t>
+            </a:r>
+            <a:r>
+              <a:rPr lang="zh-CN" altLang="zh-CN" sz="1200" kern="1200" dirty="0">
+                <a:solidFill>
+                  <a:schemeClr val="tx1"/>
+                </a:solidFill>
+                <a:effectLst/>
+                <a:latin typeface="+mn-lt"/>
+                <a:ea typeface="黑体" panose="02010609060101010101" pitchFamily="49" charset="-122"/>
+                <a:cs typeface="+mn-cs"/>
+              </a:rPr>
+              <a:t>，又回到了起点。</a:t>
+            </a:r>
+          </a:p>
+          <a:p>
+            <a:endParaRPr lang="zh-CN" altLang="en-US" dirty="0"/>
+          </a:p>
+        </p:txBody>
+      </p:sp>
+    </p:spTree>
+    <p:extLst>
+      <p:ext uri="{BB962C8B-B14F-4D97-AF65-F5344CB8AC3E}">
+        <p14:creationId xmlns:p14="http://schemas.microsoft.com/office/powerpoint/2010/main" val="1176681059"/>
+      </p:ext>
+    </p:extLst>
+  </p:cSld>
+  <p:clrMapOvr>
+    <a:masterClrMapping/>
+  </p:clrMapOvr>
+</p:notes>
+</file>
+
+<file path=ppt/notesSlides/notesSlide7.xml><?xml version="1.0" encoding="utf-8"?>
+<p:notes xmlns:a="http://schemas.openxmlformats.org/drawingml/2006/main" xmlns:r="http://schemas.openxmlformats.org/officeDocument/2006/relationships" xmlns:p="http://schemas.openxmlformats.org/presentationml/2006/main">
+  <p:cSld>
+    <p:spTree>
+      <p:nvGrpSpPr>
+        <p:cNvPr id="1" name=""/>
+        <p:cNvGrpSpPr/>
+        <p:nvPr/>
+      </p:nvGrpSpPr>
+      <p:grpSpPr>
+        <a:xfrm>
+          <a:off x="0" y="0"/>
+          <a:ext cx="0" cy="0"/>
+          <a:chOff x="0" y="0"/>
+          <a:chExt cx="0" cy="0"/>
+        </a:xfrm>
+      </p:grpSpPr>
+      <p:sp>
+        <p:nvSpPr>
+          <p:cNvPr id="2" name="幻灯片图像占位符 1"/>
+          <p:cNvSpPr>
+            <a:spLocks noGrp="1" noRot="1" noChangeAspect="1"/>
+          </p:cNvSpPr>
+          <p:nvPr>
+            <p:ph type="sldImg"/>
+          </p:nvPr>
+        </p:nvSpPr>
+        <p:spPr/>
+      </p:sp>
+      <p:sp>
+        <p:nvSpPr>
+          <p:cNvPr id="3" name="备注占位符 2"/>
+          <p:cNvSpPr>
+            <a:spLocks noGrp="1"/>
+          </p:cNvSpPr>
+          <p:nvPr>
+            <p:ph type="body" idx="1"/>
+          </p:nvPr>
+        </p:nvSpPr>
+        <p:spPr/>
+        <p:txBody>
+          <a:bodyPr/>
+          <a:lstStyle/>
+          <a:p>
+            <a:pPr rtl="0" eaLnBrk="1" fontAlgn="auto" latinLnBrk="0" hangingPunct="1"/>
+            <a:r>
+              <a:rPr lang="en-US" altLang="zh-CN" sz="1200" kern="1200" dirty="0">
+                <a:solidFill>
+                  <a:schemeClr val="tx1"/>
+                </a:solidFill>
+                <a:effectLst/>
+                <a:latin typeface="+mn-lt"/>
+                <a:ea typeface="黑体" panose="02010609060101010101" pitchFamily="49" charset="-122"/>
+                <a:cs typeface="+mn-cs"/>
+              </a:rPr>
+              <a:t>PC=0</a:t>
+            </a:r>
+            <a:r>
+              <a:rPr lang="zh-CN" altLang="zh-CN" sz="1200" kern="1200" dirty="0">
+                <a:solidFill>
+                  <a:schemeClr val="tx1"/>
+                </a:solidFill>
+                <a:effectLst/>
+                <a:latin typeface="+mn-lt"/>
+                <a:ea typeface="黑体" panose="02010609060101010101" pitchFamily="49" charset="-122"/>
+                <a:cs typeface="+mn-cs"/>
+              </a:rPr>
+              <a:t>，</a:t>
+            </a:r>
+            <a:r>
+              <a:rPr lang="en-US" altLang="zh-CN" sz="1200" kern="1200" dirty="0">
+                <a:solidFill>
+                  <a:schemeClr val="tx1"/>
+                </a:solidFill>
+                <a:effectLst/>
+                <a:latin typeface="+mn-lt"/>
+                <a:ea typeface="黑体" panose="02010609060101010101" pitchFamily="49" charset="-122"/>
+                <a:cs typeface="+mn-cs"/>
+              </a:rPr>
+              <a:t>Inst=</a:t>
+            </a:r>
+            <a:r>
+              <a:rPr lang="en-US" altLang="zh-CN" sz="1200" kern="1200" dirty="0" err="1">
+                <a:solidFill>
+                  <a:schemeClr val="tx1"/>
+                </a:solidFill>
+                <a:effectLst/>
+                <a:latin typeface="+mn-lt"/>
+                <a:ea typeface="黑体" panose="02010609060101010101" pitchFamily="49" charset="-122"/>
+                <a:cs typeface="+mn-cs"/>
+              </a:rPr>
+              <a:t>0x00002820</a:t>
+            </a:r>
+            <a:r>
+              <a:rPr lang="zh-CN" altLang="zh-CN" sz="1200" kern="1200" dirty="0">
+                <a:solidFill>
+                  <a:schemeClr val="tx1"/>
+                </a:solidFill>
+                <a:effectLst/>
+                <a:latin typeface="+mn-lt"/>
+                <a:ea typeface="黑体" panose="02010609060101010101" pitchFamily="49" charset="-122"/>
+                <a:cs typeface="+mn-cs"/>
+              </a:rPr>
+              <a:t>，置</a:t>
+            </a:r>
+            <a:r>
+              <a:rPr lang="en-US" altLang="zh-CN" sz="1200" kern="1200" dirty="0">
+                <a:solidFill>
+                  <a:schemeClr val="tx1"/>
+                </a:solidFill>
+                <a:effectLst/>
+                <a:latin typeface="+mn-lt"/>
+                <a:ea typeface="黑体" panose="02010609060101010101" pitchFamily="49" charset="-122"/>
+                <a:cs typeface="+mn-cs"/>
+              </a:rPr>
+              <a:t>$</a:t>
+            </a:r>
+            <a:r>
+              <a:rPr lang="en-US" altLang="zh-CN" sz="1200" kern="1200" dirty="0" err="1">
+                <a:solidFill>
+                  <a:schemeClr val="tx1"/>
+                </a:solidFill>
+                <a:effectLst/>
+                <a:latin typeface="+mn-lt"/>
+                <a:ea typeface="黑体" panose="02010609060101010101" pitchFamily="49" charset="-122"/>
+                <a:cs typeface="+mn-cs"/>
+              </a:rPr>
+              <a:t>a1</a:t>
+            </a:r>
+            <a:r>
+              <a:rPr lang="zh-CN" altLang="zh-CN" sz="1200" kern="1200" dirty="0">
+                <a:solidFill>
+                  <a:schemeClr val="tx1"/>
+                </a:solidFill>
+                <a:effectLst/>
+                <a:latin typeface="+mn-lt"/>
+                <a:ea typeface="黑体" panose="02010609060101010101" pitchFamily="49" charset="-122"/>
+                <a:cs typeface="+mn-cs"/>
+              </a:rPr>
+              <a:t>为</a:t>
+            </a:r>
+            <a:r>
+              <a:rPr lang="en-US" altLang="zh-CN" sz="1200" kern="1200" dirty="0">
+                <a:solidFill>
+                  <a:schemeClr val="tx1"/>
+                </a:solidFill>
+                <a:effectLst/>
+                <a:latin typeface="+mn-lt"/>
+                <a:ea typeface="黑体" panose="02010609060101010101" pitchFamily="49" charset="-122"/>
+                <a:cs typeface="+mn-cs"/>
+              </a:rPr>
+              <a:t>0</a:t>
+            </a:r>
+            <a:endParaRPr lang="zh-CN" altLang="zh-CN" dirty="0">
+              <a:effectLst/>
+            </a:endParaRPr>
+          </a:p>
+          <a:p>
+            <a:pPr rtl="0" eaLnBrk="1" fontAlgn="auto" latinLnBrk="0" hangingPunct="1"/>
+            <a:r>
+              <a:rPr lang="en-US" altLang="zh-CN" sz="1200" kern="1200" dirty="0">
+                <a:solidFill>
+                  <a:schemeClr val="tx1"/>
+                </a:solidFill>
+                <a:effectLst/>
+                <a:latin typeface="+mn-lt"/>
+                <a:ea typeface="黑体" panose="02010609060101010101" pitchFamily="49" charset="-122"/>
+                <a:cs typeface="+mn-cs"/>
+              </a:rPr>
+              <a:t>PC=4</a:t>
+            </a:r>
+            <a:r>
+              <a:rPr lang="zh-CN" altLang="zh-CN" sz="1200" kern="1200" dirty="0">
+                <a:solidFill>
+                  <a:schemeClr val="tx1"/>
+                </a:solidFill>
+                <a:effectLst/>
+                <a:latin typeface="+mn-lt"/>
+                <a:ea typeface="黑体" panose="02010609060101010101" pitchFamily="49" charset="-122"/>
+                <a:cs typeface="+mn-cs"/>
+              </a:rPr>
+              <a:t>，</a:t>
+            </a:r>
+            <a:r>
+              <a:rPr lang="en-US" altLang="zh-CN" sz="1200" kern="1200" dirty="0">
+                <a:solidFill>
+                  <a:schemeClr val="tx1"/>
+                </a:solidFill>
+                <a:effectLst/>
+                <a:latin typeface="+mn-lt"/>
+                <a:ea typeface="黑体" panose="02010609060101010101" pitchFamily="49" charset="-122"/>
+                <a:cs typeface="+mn-cs"/>
+              </a:rPr>
+              <a:t>Inst=</a:t>
+            </a:r>
+            <a:r>
+              <a:rPr lang="en-US" altLang="zh-CN" sz="1200" kern="1200" dirty="0" err="1">
+                <a:solidFill>
+                  <a:schemeClr val="tx1"/>
+                </a:solidFill>
+                <a:effectLst/>
+                <a:latin typeface="+mn-lt"/>
+                <a:ea typeface="黑体" panose="02010609060101010101" pitchFamily="49" charset="-122"/>
+                <a:cs typeface="+mn-cs"/>
+              </a:rPr>
+              <a:t>0x8Cb10000</a:t>
+            </a:r>
+            <a:r>
+              <a:rPr lang="zh-CN" altLang="zh-CN" sz="1200" kern="1200" dirty="0">
+                <a:solidFill>
+                  <a:schemeClr val="tx1"/>
+                </a:solidFill>
+                <a:effectLst/>
+                <a:latin typeface="+mn-lt"/>
+                <a:ea typeface="黑体" panose="02010609060101010101" pitchFamily="49" charset="-122"/>
+                <a:cs typeface="+mn-cs"/>
+              </a:rPr>
+              <a:t>，读</a:t>
+            </a:r>
+            <a:r>
+              <a:rPr lang="en-US" altLang="zh-CN" sz="1200" kern="1200" dirty="0">
+                <a:solidFill>
+                  <a:schemeClr val="tx1"/>
+                </a:solidFill>
+                <a:effectLst/>
+                <a:latin typeface="+mn-lt"/>
+                <a:ea typeface="黑体" panose="02010609060101010101" pitchFamily="49" charset="-122"/>
+                <a:cs typeface="+mn-cs"/>
+              </a:rPr>
+              <a:t>Mem[0]</a:t>
+            </a:r>
+            <a:r>
+              <a:rPr lang="zh-CN" altLang="zh-CN" sz="1200" kern="1200" dirty="0">
+                <a:solidFill>
+                  <a:schemeClr val="tx1"/>
+                </a:solidFill>
+                <a:effectLst/>
+                <a:latin typeface="+mn-lt"/>
+                <a:ea typeface="黑体" panose="02010609060101010101" pitchFamily="49" charset="-122"/>
+                <a:cs typeface="+mn-cs"/>
+              </a:rPr>
+              <a:t>到</a:t>
+            </a:r>
+            <a:r>
+              <a:rPr lang="en-US" altLang="zh-CN" sz="1200" kern="1200" dirty="0">
+                <a:solidFill>
+                  <a:schemeClr val="tx1"/>
+                </a:solidFill>
+                <a:effectLst/>
+                <a:latin typeface="+mn-lt"/>
+                <a:ea typeface="黑体" panose="02010609060101010101" pitchFamily="49" charset="-122"/>
+                <a:cs typeface="+mn-cs"/>
+              </a:rPr>
+              <a:t>$</a:t>
+            </a:r>
+            <a:r>
+              <a:rPr lang="en-US" altLang="zh-CN" sz="1200" kern="1200" dirty="0" err="1">
+                <a:solidFill>
+                  <a:schemeClr val="tx1"/>
+                </a:solidFill>
+                <a:effectLst/>
+                <a:latin typeface="+mn-lt"/>
+                <a:ea typeface="黑体" panose="02010609060101010101" pitchFamily="49" charset="-122"/>
+                <a:cs typeface="+mn-cs"/>
+              </a:rPr>
+              <a:t>s1</a:t>
+            </a:r>
+            <a:endParaRPr lang="zh-CN" altLang="zh-CN" dirty="0">
+              <a:effectLst/>
+            </a:endParaRPr>
+          </a:p>
+          <a:p>
+            <a:pPr rtl="0" eaLnBrk="1" fontAlgn="auto" latinLnBrk="0" hangingPunct="1"/>
+            <a:r>
+              <a:rPr lang="en-US" altLang="zh-CN" sz="1200" kern="1200" dirty="0">
+                <a:solidFill>
+                  <a:schemeClr val="tx1"/>
+                </a:solidFill>
+                <a:effectLst/>
+                <a:latin typeface="+mn-lt"/>
+                <a:ea typeface="黑体" panose="02010609060101010101" pitchFamily="49" charset="-122"/>
+                <a:cs typeface="+mn-cs"/>
+              </a:rPr>
+              <a:t>PC=8</a:t>
+            </a:r>
+            <a:r>
+              <a:rPr lang="zh-CN" altLang="zh-CN" sz="1200" kern="1200" dirty="0">
+                <a:solidFill>
+                  <a:schemeClr val="tx1"/>
+                </a:solidFill>
+                <a:effectLst/>
+                <a:latin typeface="+mn-lt"/>
+                <a:ea typeface="黑体" panose="02010609060101010101" pitchFamily="49" charset="-122"/>
+                <a:cs typeface="+mn-cs"/>
+              </a:rPr>
+              <a:t>，</a:t>
+            </a:r>
+            <a:r>
+              <a:rPr lang="en-US" altLang="zh-CN" sz="1200" kern="1200" dirty="0">
+                <a:solidFill>
+                  <a:schemeClr val="tx1"/>
+                </a:solidFill>
+                <a:effectLst/>
+                <a:latin typeface="+mn-lt"/>
+                <a:ea typeface="黑体" panose="02010609060101010101" pitchFamily="49" charset="-122"/>
+                <a:cs typeface="+mn-cs"/>
+              </a:rPr>
+              <a:t>Inst=</a:t>
+            </a:r>
+            <a:r>
+              <a:rPr lang="en-US" altLang="zh-CN" sz="1200" kern="1200" dirty="0" err="1">
+                <a:solidFill>
+                  <a:schemeClr val="tx1"/>
+                </a:solidFill>
+                <a:effectLst/>
+                <a:latin typeface="+mn-lt"/>
+                <a:ea typeface="黑体" panose="02010609060101010101" pitchFamily="49" charset="-122"/>
+                <a:cs typeface="+mn-cs"/>
+              </a:rPr>
+              <a:t>0x8cb20004</a:t>
+            </a:r>
+            <a:r>
+              <a:rPr lang="zh-CN" altLang="zh-CN" sz="1200" kern="1200" dirty="0">
+                <a:solidFill>
+                  <a:schemeClr val="tx1"/>
+                </a:solidFill>
+                <a:effectLst/>
+                <a:latin typeface="+mn-lt"/>
+                <a:ea typeface="黑体" panose="02010609060101010101" pitchFamily="49" charset="-122"/>
+                <a:cs typeface="+mn-cs"/>
+              </a:rPr>
+              <a:t>，读</a:t>
+            </a:r>
+            <a:r>
+              <a:rPr lang="en-US" altLang="zh-CN" sz="1200" kern="1200" dirty="0">
+                <a:solidFill>
+                  <a:schemeClr val="tx1"/>
+                </a:solidFill>
+                <a:effectLst/>
+                <a:latin typeface="+mn-lt"/>
+                <a:ea typeface="黑体" panose="02010609060101010101" pitchFamily="49" charset="-122"/>
+                <a:cs typeface="+mn-cs"/>
+              </a:rPr>
+              <a:t>Mem[4]</a:t>
+            </a:r>
+            <a:r>
+              <a:rPr lang="zh-CN" altLang="zh-CN" sz="1200" kern="1200" dirty="0">
+                <a:solidFill>
+                  <a:schemeClr val="tx1"/>
+                </a:solidFill>
+                <a:effectLst/>
+                <a:latin typeface="+mn-lt"/>
+                <a:ea typeface="黑体" panose="02010609060101010101" pitchFamily="49" charset="-122"/>
+                <a:cs typeface="+mn-cs"/>
+              </a:rPr>
+              <a:t>到</a:t>
+            </a:r>
+            <a:r>
+              <a:rPr lang="en-US" altLang="zh-CN" sz="1200" kern="1200" dirty="0">
+                <a:solidFill>
+                  <a:schemeClr val="tx1"/>
+                </a:solidFill>
+                <a:effectLst/>
+                <a:latin typeface="+mn-lt"/>
+                <a:ea typeface="黑体" panose="02010609060101010101" pitchFamily="49" charset="-122"/>
+                <a:cs typeface="+mn-cs"/>
+              </a:rPr>
+              <a:t>$</a:t>
+            </a:r>
+            <a:r>
+              <a:rPr lang="en-US" altLang="zh-CN" sz="1200" kern="1200" dirty="0" err="1">
+                <a:solidFill>
+                  <a:schemeClr val="tx1"/>
+                </a:solidFill>
+                <a:effectLst/>
+                <a:latin typeface="+mn-lt"/>
+                <a:ea typeface="黑体" panose="02010609060101010101" pitchFamily="49" charset="-122"/>
+                <a:cs typeface="+mn-cs"/>
+              </a:rPr>
+              <a:t>s2</a:t>
+            </a:r>
+            <a:endParaRPr lang="zh-CN" altLang="zh-CN" dirty="0">
+              <a:effectLst/>
+            </a:endParaRPr>
+          </a:p>
+          <a:p>
+            <a:pPr rtl="0" eaLnBrk="1" fontAlgn="auto" latinLnBrk="0" hangingPunct="1"/>
+            <a:r>
+              <a:rPr lang="en-US" altLang="zh-CN" sz="1200" kern="1200" dirty="0">
+                <a:solidFill>
+                  <a:schemeClr val="tx1"/>
+                </a:solidFill>
+                <a:effectLst/>
+                <a:latin typeface="+mn-lt"/>
+                <a:ea typeface="黑体" panose="02010609060101010101" pitchFamily="49" charset="-122"/>
+                <a:cs typeface="+mn-cs"/>
+              </a:rPr>
+              <a:t>PC=12</a:t>
+            </a:r>
+            <a:r>
+              <a:rPr lang="zh-CN" altLang="zh-CN" sz="1200" kern="1200" dirty="0">
+                <a:solidFill>
+                  <a:schemeClr val="tx1"/>
+                </a:solidFill>
+                <a:effectLst/>
+                <a:latin typeface="+mn-lt"/>
+                <a:ea typeface="黑体" panose="02010609060101010101" pitchFamily="49" charset="-122"/>
+                <a:cs typeface="+mn-cs"/>
+              </a:rPr>
+              <a:t>，</a:t>
+            </a:r>
+            <a:r>
+              <a:rPr lang="en-US" altLang="zh-CN" sz="1200" kern="1200" dirty="0">
+                <a:solidFill>
+                  <a:schemeClr val="tx1"/>
+                </a:solidFill>
+                <a:effectLst/>
+                <a:latin typeface="+mn-lt"/>
+                <a:ea typeface="黑体" panose="02010609060101010101" pitchFamily="49" charset="-122"/>
+                <a:cs typeface="+mn-cs"/>
+              </a:rPr>
+              <a:t>Inst=</a:t>
+            </a:r>
+            <a:r>
+              <a:rPr lang="en-US" altLang="zh-CN" sz="1200" kern="1200" dirty="0" err="1">
+                <a:solidFill>
+                  <a:schemeClr val="tx1"/>
+                </a:solidFill>
+                <a:effectLst/>
+                <a:latin typeface="+mn-lt"/>
+                <a:ea typeface="黑体" panose="02010609060101010101" pitchFamily="49" charset="-122"/>
+                <a:cs typeface="+mn-cs"/>
+              </a:rPr>
+              <a:t>0x02329822</a:t>
+            </a:r>
+            <a:r>
+              <a:rPr lang="zh-CN" altLang="zh-CN" sz="1200" kern="1200" dirty="0">
+                <a:solidFill>
+                  <a:schemeClr val="tx1"/>
+                </a:solidFill>
+                <a:effectLst/>
+                <a:latin typeface="+mn-lt"/>
+                <a:ea typeface="黑体" panose="02010609060101010101" pitchFamily="49" charset="-122"/>
+                <a:cs typeface="+mn-cs"/>
+              </a:rPr>
+              <a:t>，置</a:t>
+            </a:r>
+            <a:r>
+              <a:rPr lang="en-US" altLang="zh-CN" sz="1200" kern="1200" dirty="0">
+                <a:solidFill>
+                  <a:schemeClr val="tx1"/>
+                </a:solidFill>
+                <a:effectLst/>
+                <a:latin typeface="+mn-lt"/>
+                <a:ea typeface="黑体" panose="02010609060101010101" pitchFamily="49" charset="-122"/>
+                <a:cs typeface="+mn-cs"/>
+              </a:rPr>
+              <a:t>$</a:t>
+            </a:r>
+            <a:r>
+              <a:rPr lang="en-US" altLang="zh-CN" sz="1200" kern="1200" dirty="0" err="1">
+                <a:solidFill>
+                  <a:schemeClr val="tx1"/>
+                </a:solidFill>
+                <a:effectLst/>
+                <a:latin typeface="+mn-lt"/>
+                <a:ea typeface="黑体" panose="02010609060101010101" pitchFamily="49" charset="-122"/>
+                <a:cs typeface="+mn-cs"/>
+              </a:rPr>
+              <a:t>s3</a:t>
+            </a:r>
+            <a:r>
+              <a:rPr lang="zh-CN" altLang="zh-CN" sz="1200" kern="1200" dirty="0">
+                <a:solidFill>
+                  <a:schemeClr val="tx1"/>
+                </a:solidFill>
+                <a:effectLst/>
+                <a:latin typeface="+mn-lt"/>
+                <a:ea typeface="黑体" panose="02010609060101010101" pitchFamily="49" charset="-122"/>
+                <a:cs typeface="+mn-cs"/>
+              </a:rPr>
+              <a:t>为</a:t>
+            </a:r>
+            <a:r>
+              <a:rPr lang="en-US" altLang="zh-CN" sz="1200" kern="1200" dirty="0">
+                <a:solidFill>
+                  <a:schemeClr val="tx1"/>
+                </a:solidFill>
+                <a:effectLst/>
+                <a:latin typeface="+mn-lt"/>
+                <a:ea typeface="黑体" panose="02010609060101010101" pitchFamily="49" charset="-122"/>
+                <a:cs typeface="+mn-cs"/>
+              </a:rPr>
+              <a:t>$</a:t>
+            </a:r>
+            <a:r>
+              <a:rPr lang="en-US" altLang="zh-CN" sz="1200" kern="1200" dirty="0" err="1">
+                <a:solidFill>
+                  <a:schemeClr val="tx1"/>
+                </a:solidFill>
+                <a:effectLst/>
+                <a:latin typeface="+mn-lt"/>
+                <a:ea typeface="黑体" panose="02010609060101010101" pitchFamily="49" charset="-122"/>
+                <a:cs typeface="+mn-cs"/>
+              </a:rPr>
+              <a:t>s1</a:t>
+            </a:r>
+            <a:r>
+              <a:rPr lang="en-US" altLang="zh-CN" sz="1200" kern="1200" dirty="0">
+                <a:solidFill>
+                  <a:schemeClr val="tx1"/>
+                </a:solidFill>
+                <a:effectLst/>
+                <a:latin typeface="+mn-lt"/>
+                <a:ea typeface="黑体" panose="02010609060101010101" pitchFamily="49" charset="-122"/>
+                <a:cs typeface="+mn-cs"/>
+              </a:rPr>
+              <a:t>-$</a:t>
+            </a:r>
+            <a:r>
+              <a:rPr lang="en-US" altLang="zh-CN" sz="1200" kern="1200" dirty="0" err="1">
+                <a:solidFill>
+                  <a:schemeClr val="tx1"/>
+                </a:solidFill>
+                <a:effectLst/>
+                <a:latin typeface="+mn-lt"/>
+                <a:ea typeface="黑体" panose="02010609060101010101" pitchFamily="49" charset="-122"/>
+                <a:cs typeface="+mn-cs"/>
+              </a:rPr>
+              <a:t>s2</a:t>
+            </a:r>
+            <a:endParaRPr lang="zh-CN" altLang="zh-CN" dirty="0">
+              <a:effectLst/>
+            </a:endParaRPr>
+          </a:p>
+          <a:p>
+            <a:pPr rtl="0" eaLnBrk="1" fontAlgn="auto" latinLnBrk="0" hangingPunct="1"/>
+            <a:r>
+              <a:rPr lang="en-US" altLang="zh-CN" sz="1200" kern="1200" dirty="0">
+                <a:solidFill>
+                  <a:schemeClr val="tx1"/>
+                </a:solidFill>
+                <a:effectLst/>
+                <a:latin typeface="+mn-lt"/>
+                <a:ea typeface="黑体" panose="02010609060101010101" pitchFamily="49" charset="-122"/>
+                <a:cs typeface="+mn-cs"/>
+              </a:rPr>
+              <a:t>PC=16</a:t>
+            </a:r>
+            <a:r>
+              <a:rPr lang="zh-CN" altLang="zh-CN" sz="1200" kern="1200" dirty="0">
+                <a:solidFill>
+                  <a:schemeClr val="tx1"/>
+                </a:solidFill>
+                <a:effectLst/>
+                <a:latin typeface="+mn-lt"/>
+                <a:ea typeface="黑体" panose="02010609060101010101" pitchFamily="49" charset="-122"/>
+                <a:cs typeface="+mn-cs"/>
+              </a:rPr>
+              <a:t>，</a:t>
+            </a:r>
+            <a:r>
+              <a:rPr lang="en-US" altLang="zh-CN" sz="1200" kern="1200" dirty="0">
+                <a:solidFill>
+                  <a:schemeClr val="tx1"/>
+                </a:solidFill>
+                <a:effectLst/>
+                <a:latin typeface="+mn-lt"/>
+                <a:ea typeface="黑体" panose="02010609060101010101" pitchFamily="49" charset="-122"/>
+                <a:cs typeface="+mn-cs"/>
+              </a:rPr>
+              <a:t>Inst=</a:t>
+            </a:r>
+            <a:r>
+              <a:rPr lang="en-US" altLang="zh-CN" sz="1200" kern="1200" dirty="0" err="1">
+                <a:solidFill>
+                  <a:schemeClr val="tx1"/>
+                </a:solidFill>
+                <a:effectLst/>
+                <a:latin typeface="+mn-lt"/>
+                <a:ea typeface="黑体" panose="02010609060101010101" pitchFamily="49" charset="-122"/>
+                <a:cs typeface="+mn-cs"/>
+              </a:rPr>
+              <a:t>0x02328820</a:t>
+            </a:r>
+            <a:r>
+              <a:rPr lang="zh-CN" altLang="zh-CN" sz="1200" kern="1200" dirty="0">
+                <a:solidFill>
+                  <a:schemeClr val="tx1"/>
+                </a:solidFill>
+                <a:effectLst/>
+                <a:latin typeface="+mn-lt"/>
+                <a:ea typeface="黑体" panose="02010609060101010101" pitchFamily="49" charset="-122"/>
+                <a:cs typeface="+mn-cs"/>
+              </a:rPr>
+              <a:t>，置</a:t>
+            </a:r>
+            <a:r>
+              <a:rPr lang="en-US" altLang="zh-CN" sz="1200" kern="1200" dirty="0">
+                <a:solidFill>
+                  <a:schemeClr val="tx1"/>
+                </a:solidFill>
+                <a:effectLst/>
+                <a:latin typeface="+mn-lt"/>
+                <a:ea typeface="黑体" panose="02010609060101010101" pitchFamily="49" charset="-122"/>
+                <a:cs typeface="+mn-cs"/>
+              </a:rPr>
+              <a:t>$</a:t>
+            </a:r>
+            <a:r>
+              <a:rPr lang="en-US" altLang="zh-CN" sz="1200" kern="1200" dirty="0" err="1">
+                <a:solidFill>
+                  <a:schemeClr val="tx1"/>
+                </a:solidFill>
+                <a:effectLst/>
+                <a:latin typeface="+mn-lt"/>
+                <a:ea typeface="黑体" panose="02010609060101010101" pitchFamily="49" charset="-122"/>
+                <a:cs typeface="+mn-cs"/>
+              </a:rPr>
+              <a:t>s1</a:t>
+            </a:r>
+            <a:r>
+              <a:rPr lang="zh-CN" altLang="zh-CN" sz="1200" kern="1200" dirty="0">
+                <a:solidFill>
+                  <a:schemeClr val="tx1"/>
+                </a:solidFill>
+                <a:effectLst/>
+                <a:latin typeface="+mn-lt"/>
+                <a:ea typeface="黑体" panose="02010609060101010101" pitchFamily="49" charset="-122"/>
+                <a:cs typeface="+mn-cs"/>
+              </a:rPr>
+              <a:t>为</a:t>
+            </a:r>
+            <a:r>
+              <a:rPr lang="en-US" altLang="zh-CN" sz="1200" kern="1200" dirty="0">
+                <a:solidFill>
+                  <a:schemeClr val="tx1"/>
+                </a:solidFill>
+                <a:effectLst/>
+                <a:latin typeface="+mn-lt"/>
+                <a:ea typeface="黑体" panose="02010609060101010101" pitchFamily="49" charset="-122"/>
+                <a:cs typeface="+mn-cs"/>
+              </a:rPr>
+              <a:t>$</a:t>
+            </a:r>
+            <a:r>
+              <a:rPr lang="en-US" altLang="zh-CN" sz="1200" kern="1200" dirty="0" err="1">
+                <a:solidFill>
+                  <a:schemeClr val="tx1"/>
+                </a:solidFill>
+                <a:effectLst/>
+                <a:latin typeface="+mn-lt"/>
+                <a:ea typeface="黑体" panose="02010609060101010101" pitchFamily="49" charset="-122"/>
+                <a:cs typeface="+mn-cs"/>
+              </a:rPr>
+              <a:t>s1</a:t>
+            </a:r>
+            <a:r>
+              <a:rPr lang="en-US" altLang="zh-CN" sz="1200" kern="1200" dirty="0">
+                <a:solidFill>
+                  <a:schemeClr val="tx1"/>
+                </a:solidFill>
+                <a:effectLst/>
+                <a:latin typeface="+mn-lt"/>
+                <a:ea typeface="黑体" panose="02010609060101010101" pitchFamily="49" charset="-122"/>
+                <a:cs typeface="+mn-cs"/>
+              </a:rPr>
+              <a:t>+$</a:t>
+            </a:r>
+            <a:r>
+              <a:rPr lang="en-US" altLang="zh-CN" sz="1200" kern="1200" dirty="0" err="1">
+                <a:solidFill>
+                  <a:schemeClr val="tx1"/>
+                </a:solidFill>
+                <a:effectLst/>
+                <a:latin typeface="+mn-lt"/>
+                <a:ea typeface="黑体" panose="02010609060101010101" pitchFamily="49" charset="-122"/>
+                <a:cs typeface="+mn-cs"/>
+              </a:rPr>
+              <a:t>s2</a:t>
+            </a:r>
+            <a:endParaRPr lang="zh-CN" altLang="zh-CN" dirty="0">
+              <a:effectLst/>
+            </a:endParaRPr>
+          </a:p>
+          <a:p>
+            <a:pPr rtl="0" eaLnBrk="1" fontAlgn="auto" latinLnBrk="0" hangingPunct="1"/>
+            <a:r>
+              <a:rPr lang="en-US" altLang="zh-CN" sz="1200" kern="1200" dirty="0">
+                <a:solidFill>
+                  <a:schemeClr val="tx1"/>
+                </a:solidFill>
+                <a:effectLst/>
+                <a:latin typeface="+mn-lt"/>
+                <a:ea typeface="黑体" panose="02010609060101010101" pitchFamily="49" charset="-122"/>
+                <a:cs typeface="+mn-cs"/>
+              </a:rPr>
+              <a:t>PC=20</a:t>
+            </a:r>
+            <a:r>
+              <a:rPr lang="zh-CN" altLang="zh-CN" sz="1200" kern="1200" dirty="0">
+                <a:solidFill>
+                  <a:schemeClr val="tx1"/>
+                </a:solidFill>
+                <a:effectLst/>
+                <a:latin typeface="+mn-lt"/>
+                <a:ea typeface="黑体" panose="02010609060101010101" pitchFamily="49" charset="-122"/>
+                <a:cs typeface="+mn-cs"/>
+              </a:rPr>
+              <a:t>，</a:t>
+            </a:r>
+            <a:r>
+              <a:rPr lang="en-US" altLang="zh-CN" sz="1200" kern="1200" dirty="0">
+                <a:solidFill>
+                  <a:schemeClr val="tx1"/>
+                </a:solidFill>
+                <a:effectLst/>
+                <a:latin typeface="+mn-lt"/>
+                <a:ea typeface="黑体" panose="02010609060101010101" pitchFamily="49" charset="-122"/>
+                <a:cs typeface="+mn-cs"/>
+              </a:rPr>
+              <a:t>Inst=</a:t>
+            </a:r>
+            <a:r>
+              <a:rPr lang="en-US" altLang="zh-CN" sz="1200" kern="1200" dirty="0" err="1">
+                <a:solidFill>
+                  <a:schemeClr val="tx1"/>
+                </a:solidFill>
+                <a:effectLst/>
+                <a:latin typeface="+mn-lt"/>
+                <a:ea typeface="黑体" panose="02010609060101010101" pitchFamily="49" charset="-122"/>
+                <a:cs typeface="+mn-cs"/>
+              </a:rPr>
+              <a:t>0x8cb20008</a:t>
+            </a:r>
+            <a:r>
+              <a:rPr lang="zh-CN" altLang="zh-CN" sz="1200" kern="1200" dirty="0">
+                <a:solidFill>
+                  <a:schemeClr val="tx1"/>
+                </a:solidFill>
+                <a:effectLst/>
+                <a:latin typeface="+mn-lt"/>
+                <a:ea typeface="黑体" panose="02010609060101010101" pitchFamily="49" charset="-122"/>
+                <a:cs typeface="+mn-cs"/>
+              </a:rPr>
+              <a:t>，读</a:t>
+            </a:r>
+            <a:r>
+              <a:rPr lang="en-US" altLang="zh-CN" sz="1200" kern="1200" dirty="0">
+                <a:solidFill>
+                  <a:schemeClr val="tx1"/>
+                </a:solidFill>
+                <a:effectLst/>
+                <a:latin typeface="+mn-lt"/>
+                <a:ea typeface="黑体" panose="02010609060101010101" pitchFamily="49" charset="-122"/>
+                <a:cs typeface="+mn-cs"/>
+              </a:rPr>
+              <a:t>Mem[8]</a:t>
+            </a:r>
+            <a:r>
+              <a:rPr lang="zh-CN" altLang="zh-CN" sz="1200" kern="1200" dirty="0">
+                <a:solidFill>
+                  <a:schemeClr val="tx1"/>
+                </a:solidFill>
+                <a:effectLst/>
+                <a:latin typeface="+mn-lt"/>
+                <a:ea typeface="黑体" panose="02010609060101010101" pitchFamily="49" charset="-122"/>
+                <a:cs typeface="+mn-cs"/>
+              </a:rPr>
+              <a:t>到</a:t>
+            </a:r>
+            <a:r>
+              <a:rPr lang="en-US" altLang="zh-CN" sz="1200" kern="1200" dirty="0">
+                <a:solidFill>
+                  <a:schemeClr val="tx1"/>
+                </a:solidFill>
+                <a:effectLst/>
+                <a:latin typeface="+mn-lt"/>
+                <a:ea typeface="黑体" panose="02010609060101010101" pitchFamily="49" charset="-122"/>
+                <a:cs typeface="+mn-cs"/>
+              </a:rPr>
+              <a:t>$</a:t>
+            </a:r>
+            <a:r>
+              <a:rPr lang="en-US" altLang="zh-CN" sz="1200" kern="1200" dirty="0" err="1">
+                <a:solidFill>
+                  <a:schemeClr val="tx1"/>
+                </a:solidFill>
+                <a:effectLst/>
+                <a:latin typeface="+mn-lt"/>
+                <a:ea typeface="黑体" panose="02010609060101010101" pitchFamily="49" charset="-122"/>
+                <a:cs typeface="+mn-cs"/>
+              </a:rPr>
+              <a:t>s2</a:t>
+            </a:r>
+            <a:endParaRPr lang="zh-CN" altLang="zh-CN" dirty="0">
+              <a:effectLst/>
+            </a:endParaRPr>
+          </a:p>
+          <a:p>
+            <a:pPr rtl="0" eaLnBrk="1" fontAlgn="auto" latinLnBrk="0" hangingPunct="1"/>
+            <a:r>
+              <a:rPr lang="en-US" altLang="zh-CN" sz="1200" kern="1200" dirty="0">
+                <a:solidFill>
+                  <a:schemeClr val="tx1"/>
+                </a:solidFill>
+                <a:effectLst/>
+                <a:latin typeface="+mn-lt"/>
+                <a:ea typeface="黑体" panose="02010609060101010101" pitchFamily="49" charset="-122"/>
+                <a:cs typeface="+mn-cs"/>
+              </a:rPr>
+              <a:t>PC=24</a:t>
+            </a:r>
+            <a:r>
+              <a:rPr lang="zh-CN" altLang="zh-CN" sz="1200" kern="1200" dirty="0">
+                <a:solidFill>
+                  <a:schemeClr val="tx1"/>
+                </a:solidFill>
+                <a:effectLst/>
+                <a:latin typeface="+mn-lt"/>
+                <a:ea typeface="黑体" panose="02010609060101010101" pitchFamily="49" charset="-122"/>
+                <a:cs typeface="+mn-cs"/>
+              </a:rPr>
+              <a:t>，</a:t>
+            </a:r>
+            <a:r>
+              <a:rPr lang="en-US" altLang="zh-CN" sz="1200" kern="1200" dirty="0">
+                <a:solidFill>
+                  <a:schemeClr val="tx1"/>
+                </a:solidFill>
+                <a:effectLst/>
+                <a:latin typeface="+mn-lt"/>
+                <a:ea typeface="黑体" panose="02010609060101010101" pitchFamily="49" charset="-122"/>
+                <a:cs typeface="+mn-cs"/>
+              </a:rPr>
+              <a:t>Inst=</a:t>
+            </a:r>
+            <a:r>
+              <a:rPr lang="en-US" altLang="zh-CN" sz="1200" kern="1200" dirty="0" err="1">
+                <a:solidFill>
+                  <a:schemeClr val="tx1"/>
+                </a:solidFill>
+                <a:effectLst/>
+                <a:latin typeface="+mn-lt"/>
+                <a:ea typeface="黑体" panose="02010609060101010101" pitchFamily="49" charset="-122"/>
+                <a:cs typeface="+mn-cs"/>
+              </a:rPr>
+              <a:t>0x12320002</a:t>
+            </a:r>
+            <a:r>
+              <a:rPr lang="zh-CN" altLang="zh-CN" sz="1200" kern="1200" dirty="0">
+                <a:solidFill>
+                  <a:schemeClr val="tx1"/>
+                </a:solidFill>
+                <a:effectLst/>
+                <a:latin typeface="+mn-lt"/>
+                <a:ea typeface="黑体" panose="02010609060101010101" pitchFamily="49" charset="-122"/>
+                <a:cs typeface="+mn-cs"/>
+              </a:rPr>
+              <a:t>，根据</a:t>
+            </a:r>
+            <a:r>
+              <a:rPr lang="en-US" altLang="zh-CN" sz="1200" kern="1200" dirty="0">
+                <a:solidFill>
+                  <a:schemeClr val="tx1"/>
+                </a:solidFill>
+                <a:effectLst/>
+                <a:latin typeface="+mn-lt"/>
+                <a:ea typeface="黑体" panose="02010609060101010101" pitchFamily="49" charset="-122"/>
+                <a:cs typeface="+mn-cs"/>
+              </a:rPr>
+              <a:t>$</a:t>
+            </a:r>
+            <a:r>
+              <a:rPr lang="en-US" altLang="zh-CN" sz="1200" kern="1200" dirty="0" err="1">
+                <a:solidFill>
+                  <a:schemeClr val="tx1"/>
+                </a:solidFill>
+                <a:effectLst/>
+                <a:latin typeface="+mn-lt"/>
+                <a:ea typeface="黑体" panose="02010609060101010101" pitchFamily="49" charset="-122"/>
+                <a:cs typeface="+mn-cs"/>
+              </a:rPr>
+              <a:t>s1</a:t>
+            </a:r>
+            <a:r>
+              <a:rPr lang="zh-CN" altLang="zh-CN" sz="1200" kern="1200" dirty="0">
+                <a:solidFill>
+                  <a:schemeClr val="tx1"/>
+                </a:solidFill>
+                <a:effectLst/>
+                <a:latin typeface="+mn-lt"/>
+                <a:ea typeface="黑体" panose="02010609060101010101" pitchFamily="49" charset="-122"/>
+                <a:cs typeface="+mn-cs"/>
+              </a:rPr>
+              <a:t>和</a:t>
+            </a:r>
+            <a:r>
+              <a:rPr lang="en-US" altLang="zh-CN" sz="1200" kern="1200" dirty="0">
+                <a:solidFill>
+                  <a:schemeClr val="tx1"/>
+                </a:solidFill>
+                <a:effectLst/>
+                <a:latin typeface="+mn-lt"/>
+                <a:ea typeface="黑体" panose="02010609060101010101" pitchFamily="49" charset="-122"/>
+                <a:cs typeface="+mn-cs"/>
+              </a:rPr>
+              <a:t>$</a:t>
+            </a:r>
+            <a:r>
+              <a:rPr lang="en-US" altLang="zh-CN" sz="1200" kern="1200" dirty="0" err="1">
+                <a:solidFill>
+                  <a:schemeClr val="tx1"/>
+                </a:solidFill>
+                <a:effectLst/>
+                <a:latin typeface="+mn-lt"/>
+                <a:ea typeface="黑体" panose="02010609060101010101" pitchFamily="49" charset="-122"/>
+                <a:cs typeface="+mn-cs"/>
+              </a:rPr>
+              <a:t>s2</a:t>
+            </a:r>
+            <a:r>
+              <a:rPr lang="zh-CN" altLang="zh-CN" sz="1200" kern="1200" dirty="0">
+                <a:solidFill>
+                  <a:schemeClr val="tx1"/>
+                </a:solidFill>
+                <a:effectLst/>
+                <a:latin typeface="+mn-lt"/>
+                <a:ea typeface="黑体" panose="02010609060101010101" pitchFamily="49" charset="-122"/>
+                <a:cs typeface="+mn-cs"/>
+              </a:rPr>
+              <a:t>进行条件跳转（由于</a:t>
+            </a:r>
+            <a:r>
+              <a:rPr lang="en-US" altLang="zh-CN" sz="1200" kern="1200" dirty="0">
+                <a:solidFill>
+                  <a:schemeClr val="tx1"/>
+                </a:solidFill>
+                <a:effectLst/>
+                <a:latin typeface="+mn-lt"/>
+                <a:ea typeface="黑体" panose="02010609060101010101" pitchFamily="49" charset="-122"/>
+                <a:cs typeface="+mn-cs"/>
+              </a:rPr>
+              <a:t>$</a:t>
+            </a:r>
+            <a:r>
+              <a:rPr lang="en-US" altLang="zh-CN" sz="1200" kern="1200" dirty="0" err="1">
+                <a:solidFill>
+                  <a:schemeClr val="tx1"/>
+                </a:solidFill>
+                <a:effectLst/>
+                <a:latin typeface="+mn-lt"/>
+                <a:ea typeface="黑体" panose="02010609060101010101" pitchFamily="49" charset="-122"/>
+                <a:cs typeface="+mn-cs"/>
+              </a:rPr>
+              <a:t>s1</a:t>
+            </a:r>
+            <a:r>
+              <a:rPr lang="zh-CN" altLang="zh-CN" sz="1200" kern="1200" dirty="0">
+                <a:solidFill>
+                  <a:schemeClr val="tx1"/>
+                </a:solidFill>
+                <a:effectLst/>
+                <a:latin typeface="+mn-lt"/>
+                <a:ea typeface="黑体" panose="02010609060101010101" pitchFamily="49" charset="-122"/>
+                <a:cs typeface="+mn-cs"/>
+              </a:rPr>
+              <a:t>的值为</a:t>
+            </a:r>
+            <a:r>
+              <a:rPr lang="en-US" altLang="zh-CN" sz="1200" kern="1200" dirty="0">
+                <a:solidFill>
+                  <a:schemeClr val="tx1"/>
+                </a:solidFill>
+                <a:effectLst/>
+                <a:latin typeface="+mn-lt"/>
+                <a:ea typeface="黑体" panose="02010609060101010101" pitchFamily="49" charset="-122"/>
+                <a:cs typeface="+mn-cs"/>
+              </a:rPr>
+              <a:t>5</a:t>
+            </a:r>
+            <a:r>
+              <a:rPr lang="zh-CN" altLang="zh-CN" sz="1200" kern="1200" dirty="0">
+                <a:solidFill>
+                  <a:schemeClr val="tx1"/>
+                </a:solidFill>
+                <a:effectLst/>
+                <a:latin typeface="+mn-lt"/>
+                <a:ea typeface="黑体" panose="02010609060101010101" pitchFamily="49" charset="-122"/>
+                <a:cs typeface="+mn-cs"/>
+              </a:rPr>
+              <a:t>，</a:t>
+            </a:r>
+            <a:r>
+              <a:rPr lang="en-US" altLang="zh-CN" sz="1200" kern="1200" dirty="0">
+                <a:solidFill>
+                  <a:schemeClr val="tx1"/>
+                </a:solidFill>
+                <a:effectLst/>
+                <a:latin typeface="+mn-lt"/>
+                <a:ea typeface="黑体" panose="02010609060101010101" pitchFamily="49" charset="-122"/>
+                <a:cs typeface="+mn-cs"/>
+              </a:rPr>
+              <a:t>$</a:t>
+            </a:r>
+            <a:r>
+              <a:rPr lang="en-US" altLang="zh-CN" sz="1200" kern="1200" dirty="0" err="1">
+                <a:solidFill>
+                  <a:schemeClr val="tx1"/>
+                </a:solidFill>
+                <a:effectLst/>
+                <a:latin typeface="+mn-lt"/>
+                <a:ea typeface="黑体" panose="02010609060101010101" pitchFamily="49" charset="-122"/>
+                <a:cs typeface="+mn-cs"/>
+              </a:rPr>
+              <a:t>s2</a:t>
+            </a:r>
+            <a:r>
+              <a:rPr lang="zh-CN" altLang="zh-CN" sz="1200" kern="1200" dirty="0">
+                <a:solidFill>
+                  <a:schemeClr val="tx1"/>
+                </a:solidFill>
+                <a:effectLst/>
+                <a:latin typeface="+mn-lt"/>
+                <a:ea typeface="黑体" panose="02010609060101010101" pitchFamily="49" charset="-122"/>
+                <a:cs typeface="+mn-cs"/>
+              </a:rPr>
+              <a:t>的值为</a:t>
+            </a:r>
+            <a:r>
+              <a:rPr lang="en-US" altLang="zh-CN" sz="1200" kern="1200" dirty="0">
+                <a:solidFill>
+                  <a:schemeClr val="tx1"/>
+                </a:solidFill>
+                <a:effectLst/>
+                <a:latin typeface="+mn-lt"/>
+                <a:ea typeface="黑体" panose="02010609060101010101" pitchFamily="49" charset="-122"/>
+                <a:cs typeface="+mn-cs"/>
+              </a:rPr>
+              <a:t>6</a:t>
+            </a:r>
+            <a:r>
+              <a:rPr lang="zh-CN" altLang="zh-CN" sz="1200" kern="1200" dirty="0">
+                <a:solidFill>
+                  <a:schemeClr val="tx1"/>
+                </a:solidFill>
+                <a:effectLst/>
+                <a:latin typeface="+mn-lt"/>
+                <a:ea typeface="黑体" panose="02010609060101010101" pitchFamily="49" charset="-122"/>
+                <a:cs typeface="+mn-cs"/>
+              </a:rPr>
+              <a:t>，不发生跳转）</a:t>
+            </a:r>
+            <a:endParaRPr lang="zh-CN" altLang="zh-CN" dirty="0">
+              <a:effectLst/>
+            </a:endParaRPr>
+          </a:p>
+          <a:p>
+            <a:pPr rtl="0" eaLnBrk="1" fontAlgn="auto" latinLnBrk="0" hangingPunct="1"/>
+            <a:r>
+              <a:rPr lang="en-US" altLang="zh-CN" sz="1200" kern="1200" dirty="0">
+                <a:solidFill>
+                  <a:schemeClr val="tx1"/>
+                </a:solidFill>
+                <a:effectLst/>
+                <a:latin typeface="+mn-lt"/>
+                <a:ea typeface="黑体" panose="02010609060101010101" pitchFamily="49" charset="-122"/>
+                <a:cs typeface="+mn-cs"/>
+              </a:rPr>
+              <a:t>PC=28</a:t>
+            </a:r>
+            <a:r>
+              <a:rPr lang="zh-CN" altLang="zh-CN" sz="1200" kern="1200" dirty="0">
+                <a:solidFill>
+                  <a:schemeClr val="tx1"/>
+                </a:solidFill>
+                <a:effectLst/>
+                <a:latin typeface="+mn-lt"/>
+                <a:ea typeface="黑体" panose="02010609060101010101" pitchFamily="49" charset="-122"/>
+                <a:cs typeface="+mn-cs"/>
+              </a:rPr>
+              <a:t>，</a:t>
+            </a:r>
+            <a:r>
+              <a:rPr lang="en-US" altLang="zh-CN" sz="1200" kern="1200" dirty="0">
+                <a:solidFill>
+                  <a:schemeClr val="tx1"/>
+                </a:solidFill>
+                <a:effectLst/>
+                <a:latin typeface="+mn-lt"/>
+                <a:ea typeface="黑体" panose="02010609060101010101" pitchFamily="49" charset="-122"/>
+                <a:cs typeface="+mn-cs"/>
+              </a:rPr>
+              <a:t>Inst=</a:t>
+            </a:r>
+            <a:r>
+              <a:rPr lang="en-US" altLang="zh-CN" sz="1200" kern="1200" dirty="0" err="1">
+                <a:solidFill>
+                  <a:schemeClr val="tx1"/>
+                </a:solidFill>
+                <a:effectLst/>
+                <a:latin typeface="+mn-lt"/>
+                <a:ea typeface="黑体" panose="02010609060101010101" pitchFamily="49" charset="-122"/>
+                <a:cs typeface="+mn-cs"/>
+              </a:rPr>
+              <a:t>0xacb3000c</a:t>
+            </a:r>
+            <a:r>
+              <a:rPr lang="zh-CN" altLang="zh-CN" sz="1200" kern="1200" dirty="0">
+                <a:solidFill>
+                  <a:schemeClr val="tx1"/>
+                </a:solidFill>
+                <a:effectLst/>
+                <a:latin typeface="+mn-lt"/>
+                <a:ea typeface="黑体" panose="02010609060101010101" pitchFamily="49" charset="-122"/>
+                <a:cs typeface="+mn-cs"/>
+              </a:rPr>
+              <a:t>，写</a:t>
+            </a:r>
+            <a:r>
+              <a:rPr lang="en-US" altLang="zh-CN" sz="1200" kern="1200" dirty="0">
+                <a:solidFill>
+                  <a:schemeClr val="tx1"/>
+                </a:solidFill>
+                <a:effectLst/>
+                <a:latin typeface="+mn-lt"/>
+                <a:ea typeface="黑体" panose="02010609060101010101" pitchFamily="49" charset="-122"/>
+                <a:cs typeface="+mn-cs"/>
+              </a:rPr>
+              <a:t>$</a:t>
+            </a:r>
+            <a:r>
+              <a:rPr lang="en-US" altLang="zh-CN" sz="1200" kern="1200" dirty="0" err="1">
+                <a:solidFill>
+                  <a:schemeClr val="tx1"/>
+                </a:solidFill>
+                <a:effectLst/>
+                <a:latin typeface="+mn-lt"/>
+                <a:ea typeface="黑体" panose="02010609060101010101" pitchFamily="49" charset="-122"/>
+                <a:cs typeface="+mn-cs"/>
+              </a:rPr>
+              <a:t>s3</a:t>
+            </a:r>
+            <a:r>
+              <a:rPr lang="zh-CN" altLang="zh-CN" sz="1200" kern="1200" dirty="0">
+                <a:solidFill>
+                  <a:schemeClr val="tx1"/>
+                </a:solidFill>
+                <a:effectLst/>
+                <a:latin typeface="+mn-lt"/>
+                <a:ea typeface="黑体" panose="02010609060101010101" pitchFamily="49" charset="-122"/>
+                <a:cs typeface="+mn-cs"/>
+              </a:rPr>
+              <a:t>到</a:t>
+            </a:r>
+            <a:r>
+              <a:rPr lang="en-US" altLang="zh-CN" sz="1200" kern="1200" dirty="0">
+                <a:solidFill>
+                  <a:schemeClr val="tx1"/>
+                </a:solidFill>
+                <a:effectLst/>
+                <a:latin typeface="+mn-lt"/>
+                <a:ea typeface="黑体" panose="02010609060101010101" pitchFamily="49" charset="-122"/>
+                <a:cs typeface="+mn-cs"/>
+              </a:rPr>
+              <a:t>Mem[12]</a:t>
+            </a:r>
+            <a:endParaRPr lang="zh-CN" altLang="zh-CN" dirty="0">
+              <a:effectLst/>
+            </a:endParaRPr>
+          </a:p>
+          <a:p>
+            <a:pPr rtl="0" eaLnBrk="1" fontAlgn="auto" latinLnBrk="0" hangingPunct="1"/>
+            <a:r>
+              <a:rPr lang="en-US" altLang="zh-CN" sz="1200" kern="1200" dirty="0">
+                <a:solidFill>
+                  <a:schemeClr val="tx1"/>
+                </a:solidFill>
+                <a:effectLst/>
+                <a:latin typeface="+mn-lt"/>
+                <a:ea typeface="黑体" panose="02010609060101010101" pitchFamily="49" charset="-122"/>
+                <a:cs typeface="+mn-cs"/>
+              </a:rPr>
+              <a:t>PC=32</a:t>
+            </a:r>
+            <a:r>
+              <a:rPr lang="zh-CN" altLang="zh-CN" sz="1200" kern="1200" dirty="0">
+                <a:solidFill>
+                  <a:schemeClr val="tx1"/>
+                </a:solidFill>
+                <a:effectLst/>
+                <a:latin typeface="+mn-lt"/>
+                <a:ea typeface="黑体" panose="02010609060101010101" pitchFamily="49" charset="-122"/>
+                <a:cs typeface="+mn-cs"/>
+              </a:rPr>
+              <a:t>，</a:t>
+            </a:r>
+            <a:r>
+              <a:rPr lang="en-US" altLang="zh-CN" sz="1200" kern="1200" dirty="0">
+                <a:solidFill>
+                  <a:schemeClr val="tx1"/>
+                </a:solidFill>
+                <a:effectLst/>
+                <a:latin typeface="+mn-lt"/>
+                <a:ea typeface="黑体" panose="02010609060101010101" pitchFamily="49" charset="-122"/>
+                <a:cs typeface="+mn-cs"/>
+              </a:rPr>
+              <a:t>Inst=</a:t>
+            </a:r>
+            <a:r>
+              <a:rPr lang="en-US" altLang="zh-CN" sz="1200" kern="1200" dirty="0" err="1">
+                <a:solidFill>
+                  <a:schemeClr val="tx1"/>
+                </a:solidFill>
+                <a:effectLst/>
+                <a:latin typeface="+mn-lt"/>
+                <a:ea typeface="黑体" panose="02010609060101010101" pitchFamily="49" charset="-122"/>
+                <a:cs typeface="+mn-cs"/>
+              </a:rPr>
+              <a:t>0x08000000</a:t>
+            </a:r>
+            <a:r>
+              <a:rPr lang="zh-CN" altLang="zh-CN" sz="1200" kern="1200" dirty="0">
+                <a:solidFill>
+                  <a:schemeClr val="tx1"/>
+                </a:solidFill>
+                <a:effectLst/>
+                <a:latin typeface="+mn-lt"/>
+                <a:ea typeface="黑体" panose="02010609060101010101" pitchFamily="49" charset="-122"/>
+                <a:cs typeface="+mn-cs"/>
+              </a:rPr>
+              <a:t>，无条件跳转，构成循环</a:t>
+            </a:r>
+            <a:endParaRPr lang="zh-CN" altLang="zh-CN" dirty="0">
+              <a:effectLst/>
+            </a:endParaRPr>
+          </a:p>
+          <a:p>
+            <a:pPr rtl="0" eaLnBrk="1" fontAlgn="auto" latinLnBrk="0" hangingPunct="1"/>
+            <a:r>
+              <a:rPr lang="en-US" altLang="zh-CN" sz="1200" kern="1200" dirty="0">
+                <a:solidFill>
+                  <a:schemeClr val="tx1"/>
+                </a:solidFill>
+                <a:effectLst/>
+                <a:latin typeface="+mn-lt"/>
+                <a:ea typeface="黑体" panose="02010609060101010101" pitchFamily="49" charset="-122"/>
+                <a:cs typeface="+mn-cs"/>
+              </a:rPr>
+              <a:t>PC=0</a:t>
+            </a:r>
+            <a:r>
+              <a:rPr lang="zh-CN" altLang="zh-CN" sz="1200" kern="1200" dirty="0">
+                <a:solidFill>
+                  <a:schemeClr val="tx1"/>
+                </a:solidFill>
+                <a:effectLst/>
+                <a:latin typeface="+mn-lt"/>
+                <a:ea typeface="黑体" panose="02010609060101010101" pitchFamily="49" charset="-122"/>
+                <a:cs typeface="+mn-cs"/>
+              </a:rPr>
+              <a:t>，</a:t>
+            </a:r>
+            <a:r>
+              <a:rPr lang="en-US" altLang="zh-CN" sz="1200" kern="1200" dirty="0">
+                <a:solidFill>
+                  <a:schemeClr val="tx1"/>
+                </a:solidFill>
+                <a:effectLst/>
+                <a:latin typeface="+mn-lt"/>
+                <a:ea typeface="黑体" panose="02010609060101010101" pitchFamily="49" charset="-122"/>
+                <a:cs typeface="+mn-cs"/>
+              </a:rPr>
+              <a:t>Inst=</a:t>
+            </a:r>
+            <a:r>
+              <a:rPr lang="en-US" altLang="zh-CN" sz="1200" kern="1200" dirty="0" err="1">
+                <a:solidFill>
+                  <a:schemeClr val="tx1"/>
+                </a:solidFill>
+                <a:effectLst/>
+                <a:latin typeface="+mn-lt"/>
+                <a:ea typeface="黑体" panose="02010609060101010101" pitchFamily="49" charset="-122"/>
+                <a:cs typeface="+mn-cs"/>
+              </a:rPr>
+              <a:t>0x00002820</a:t>
+            </a:r>
+            <a:r>
+              <a:rPr lang="zh-CN" altLang="zh-CN" sz="1200" kern="1200" dirty="0">
+                <a:solidFill>
+                  <a:schemeClr val="tx1"/>
+                </a:solidFill>
+                <a:effectLst/>
+                <a:latin typeface="+mn-lt"/>
+                <a:ea typeface="黑体" panose="02010609060101010101" pitchFamily="49" charset="-122"/>
+                <a:cs typeface="+mn-cs"/>
+              </a:rPr>
+              <a:t>，置</a:t>
+            </a:r>
+            <a:r>
+              <a:rPr lang="en-US" altLang="zh-CN" sz="1200" kern="1200" dirty="0">
+                <a:solidFill>
+                  <a:schemeClr val="tx1"/>
+                </a:solidFill>
+                <a:effectLst/>
+                <a:latin typeface="+mn-lt"/>
+                <a:ea typeface="黑体" panose="02010609060101010101" pitchFamily="49" charset="-122"/>
+                <a:cs typeface="+mn-cs"/>
+              </a:rPr>
+              <a:t>$</a:t>
+            </a:r>
+            <a:r>
+              <a:rPr lang="en-US" altLang="zh-CN" sz="1200" kern="1200" dirty="0" err="1">
+                <a:solidFill>
+                  <a:schemeClr val="tx1"/>
+                </a:solidFill>
+                <a:effectLst/>
+                <a:latin typeface="+mn-lt"/>
+                <a:ea typeface="黑体" panose="02010609060101010101" pitchFamily="49" charset="-122"/>
+                <a:cs typeface="+mn-cs"/>
+              </a:rPr>
+              <a:t>a1</a:t>
+            </a:r>
+            <a:r>
+              <a:rPr lang="zh-CN" altLang="zh-CN" sz="1200" kern="1200" dirty="0">
+                <a:solidFill>
+                  <a:schemeClr val="tx1"/>
+                </a:solidFill>
+                <a:effectLst/>
+                <a:latin typeface="+mn-lt"/>
+                <a:ea typeface="黑体" panose="02010609060101010101" pitchFamily="49" charset="-122"/>
+                <a:cs typeface="+mn-cs"/>
+              </a:rPr>
+              <a:t>为</a:t>
+            </a:r>
+            <a:r>
+              <a:rPr lang="en-US" altLang="zh-CN" sz="1200" kern="1200" dirty="0">
+                <a:solidFill>
+                  <a:schemeClr val="tx1"/>
+                </a:solidFill>
+                <a:effectLst/>
+                <a:latin typeface="+mn-lt"/>
+                <a:ea typeface="黑体" panose="02010609060101010101" pitchFamily="49" charset="-122"/>
+                <a:cs typeface="+mn-cs"/>
+              </a:rPr>
+              <a:t>0</a:t>
+            </a:r>
+            <a:r>
+              <a:rPr lang="zh-CN" altLang="zh-CN" sz="1200" kern="1200" dirty="0">
+                <a:solidFill>
+                  <a:schemeClr val="tx1"/>
+                </a:solidFill>
+                <a:effectLst/>
+                <a:latin typeface="+mn-lt"/>
+                <a:ea typeface="黑体" panose="02010609060101010101" pitchFamily="49" charset="-122"/>
+                <a:cs typeface="+mn-cs"/>
+              </a:rPr>
+              <a:t>，又回到了起点。</a:t>
+            </a:r>
+            <a:endParaRPr lang="zh-CN" altLang="zh-CN" dirty="0">
+              <a:effectLst/>
+            </a:endParaRPr>
+          </a:p>
+        </p:txBody>
+      </p:sp>
+    </p:spTree>
+    <p:extLst>
+      <p:ext uri="{BB962C8B-B14F-4D97-AF65-F5344CB8AC3E}">
+        <p14:creationId xmlns:p14="http://schemas.microsoft.com/office/powerpoint/2010/main" val="2041396146"/>
+      </p:ext>
+    </p:extLst>
+  </p:cSld>
+  <p:clrMapOvr>
+    <a:masterClrMapping/>
+  </p:clrMapOvr>
+</p:notes>
+</file>
+
+<file path=ppt/notesSlides/notesSlide8.xml><?xml version="1.0" encoding="utf-8"?>
 <p:notes xmlns:a="http://schemas.openxmlformats.org/drawingml/2006/main" xmlns:r="http://schemas.openxmlformats.org/officeDocument/2006/relationships" xmlns:p="http://schemas.openxmlformats.org/presentationml/2006/main">
   <p:cSld>
     <p:spTree>
@@ -21533,8 +24768,8 @@
         </p:nvSpPr>
         <p:spPr>
           <a:xfrm>
-            <a:off x="561000" y="1148036"/>
-            <a:ext cx="11424920" cy="1477328"/>
+            <a:off x="1348500" y="1241018"/>
+            <a:ext cx="10282500" cy="923330"/>
           </a:xfrm>
           <a:prstGeom prst="rect">
             <a:avLst/>
@@ -21548,10 +24783,6 @@
           <a:lstStyle/>
           <a:p>
             <a:r>
-              <a:rPr lang="en-US" altLang="zh-CN" dirty="0"/>
-              <a:t>	</a:t>
-            </a:r>
-            <a:r>
               <a:rPr lang="zh-CN" altLang="zh-CN" dirty="0"/>
               <a:t>输入为</a:t>
             </a:r>
@@ -21578,12 +24809,8 @@
           </a:p>
           <a:p>
             <a:r>
-              <a:rPr lang="en-US" altLang="zh-CN" dirty="0"/>
-              <a:t>	</a:t>
-            </a:r>
-            <a:r>
               <a:rPr lang="zh-CN" altLang="zh-CN" dirty="0"/>
-              <a:t>输出为目的寄存器选择信号</a:t>
+              <a:t>输出为</a:t>
             </a:r>
             <a:r>
               <a:rPr lang="en-US" altLang="zh-CN" dirty="0" err="1"/>
@@ -21591,7 +24818,7 @@
             </a:r>
             <a:r>
               <a:rPr lang="zh-CN" altLang="zh-CN" dirty="0"/>
-              <a:t>，寄存器写使能信号</a:t>
+              <a:t>，</a:t>
             </a:r>
             <a:r>
               <a:rPr lang="en-US" altLang="zh-CN" dirty="0" err="1"/>
@@ -21602,32 +24829,20 @@
               <a:t>，</a:t>
             </a:r>
             <a:r>
-              <a:rPr lang="en-US" altLang="zh-CN" dirty="0"/>
-              <a:t>ALU</a:t>
-            </a:r>
-            <a:r>
-              <a:rPr lang="zh-CN" altLang="zh-CN" dirty="0"/>
-              <a:t>操作数选择信号</a:t>
-            </a:r>
-            <a:r>
               <a:rPr lang="en-US" altLang="zh-CN" dirty="0" err="1"/>
               <a:t>ALUSrc</a:t>
             </a:r>
             <a:r>
               <a:rPr lang="zh-CN" altLang="zh-CN" dirty="0"/>
-              <a:t>，数据存储器写使能信号</a:t>
+              <a:t>，</a:t>
             </a:r>
             <a:r>
               <a:rPr lang="en-US" altLang="zh-CN" dirty="0" err="1"/>
               <a:t>MemWrite</a:t>
             </a:r>
             <a:r>
-              <a:rPr lang="en-US" altLang="zh-CN" dirty="0"/>
-              <a:t>, </a:t>
-            </a:r>
-            <a:r>
-              <a:rPr lang="zh-CN" altLang="zh-CN" dirty="0"/>
-              <a:t>数据存储器读使能信号</a:t>
+              <a:rPr lang="zh-CN" altLang="en-US" dirty="0"/>
+              <a:t>，</a:t>
             </a:r>
             <a:r>
               <a:rPr lang="en-US" altLang="zh-CN" dirty="0" err="1"/>
@@ -21635,7 +24850,7 @@
             </a:r>
             <a:r>
               <a:rPr lang="zh-CN" altLang="zh-CN" dirty="0"/>
-              <a:t>，待写寄存器数据选择信号</a:t>
+              <a:t>，</a:t>
             </a:r>
             <a:r>
               <a:rPr lang="en-US" altLang="zh-CN" dirty="0" err="1"/>
@@ -21643,7 +24858,7 @@
             </a:r>
             <a:r>
               <a:rPr lang="zh-CN" altLang="zh-CN" dirty="0"/>
-              <a:t>，条件跳转控制信号</a:t>
+              <a:t>，</a:t>
             </a:r>
             <a:r>
               <a:rPr lang="en-US" altLang="zh-CN" dirty="0"/>
@@ -21651,7 +24866,7 @@
             </a:r>
             <a:r>
               <a:rPr lang="zh-CN" altLang="zh-CN" dirty="0"/>
-              <a:t>，无条件跳转控制信号</a:t>
+              <a:t>，</a:t>
             </a:r>
             <a:r>
               <a:rPr lang="en-US" altLang="zh-CN" dirty="0"/>
@@ -21659,23 +24874,7 @@
             </a:r>
             <a:r>
               <a:rPr lang="zh-CN" altLang="zh-CN" dirty="0"/>
-              <a:t>和输入到</a:t>
-            </a:r>
-            <a:r>
-              <a:rPr lang="en-US" altLang="zh-CN" dirty="0"/>
-              <a:t>ALU</a:t>
-            </a:r>
-            <a:r>
-              <a:rPr lang="zh-CN" altLang="zh-CN" dirty="0"/>
-              <a:t>局部控制单元的</a:t>
-            </a:r>
-            <a:r>
-              <a:rPr lang="en-US" altLang="zh-CN" dirty="0"/>
-              <a:t>2</a:t>
-            </a:r>
-            <a:r>
-              <a:rPr lang="zh-CN" altLang="zh-CN" dirty="0"/>
-              <a:t>位分类信号</a:t>
+              <a:t>和</a:t>
             </a:r>
             <a:r>
               <a:rPr lang="en-US" altLang="zh-CN" dirty="0" err="1"/>
@@ -24565,7 +27764,7 @@
           <p:nvPr/>
         </p:nvPicPr>
         <p:blipFill rotWithShape="1">
-          <a:blip r:embed="rId2"/>
+          <a:blip r:embed="rId3"/>
           <a:srcRect t="1867" b="2574"/>
           <a:stretch/>
         </p:blipFill>
@@ -24792,7 +27991,7 @@
         </p:nvSpPr>
         <p:spPr>
           <a:xfrm>
-            <a:off x="471000" y="1220912"/>
+            <a:off x="383540" y="1221593"/>
             <a:ext cx="11424920" cy="923330"/>
           </a:xfrm>
           <a:prstGeom prst="rect">
@@ -26917,7 +30116,7 @@
         </p:nvSpPr>
         <p:spPr>
           <a:xfrm>
-            <a:off x="516000" y="1537996"/>
+            <a:off x="550622" y="1522220"/>
             <a:ext cx="11424920" cy="523220"/>
           </a:xfrm>
           <a:prstGeom prst="rect">
@@ -28740,7 +31939,7 @@
         </p:nvSpPr>
         <p:spPr>
           <a:xfrm>
-            <a:off x="561000" y="1454446"/>
+            <a:off x="116080" y="1461780"/>
             <a:ext cx="11424920" cy="523220"/>
           </a:xfrm>
           <a:prstGeom prst="rect">
@@ -29945,8 +33144,8 @@
         </p:nvSpPr>
         <p:spPr>
           <a:xfrm>
-            <a:off x="426000" y="2912330"/>
-            <a:ext cx="6210031" cy="1754326"/>
+            <a:off x="583484" y="3069000"/>
+            <a:ext cx="5760000" cy="1754326"/>
           </a:xfrm>
           <a:prstGeom prst="rect">
             <a:avLst/>
@@ -29960,12 +33159,8 @@
           <a:lstStyle/>
           <a:p>
             <a:r>
-              <a:rPr lang="en-US" altLang="zh-CN" dirty="0"/>
-              <a:t>	</a:t>
-            </a:r>
-            <a:r>
               <a:rPr lang="zh-CN" altLang="en-US" dirty="0"/>
-              <a:t>具体地，为便于测试，将时钟脉冲连接到按键输入；将信息输出连接到七段数码管。</a:t>
+              <a:t>        具体地，为便于测试，将时钟脉冲连接到按键输入；将信息输出连接到七段数码管。</a:t>
             </a:r>
             <a:endParaRPr lang="en-US" altLang="zh-CN" dirty="0"/>
           </a:p>
@@ -29973,7 +33168,7 @@
             <a:endParaRPr lang="en-US" altLang="zh-CN" dirty="0"/>
           </a:p>
           <a:p>
-            <a:pPr marL="742950" lvl="1" indent="-285750">
+            <a:pPr marL="285750" indent="-285750">
               <a:buFont typeface="Arial" panose="020B0604020202020204" pitchFamily="34" charset="0"/>
               <a:buChar char="•"/>
             </a:pPr>
@@ -29991,7 +33186,7 @@
             <a:endParaRPr lang="en-US" altLang="zh-CN" dirty="0"/>
           </a:p>
           <a:p>
-            <a:pPr marL="742950" lvl="1" indent="-285750">
+            <a:pPr marL="285750" indent="-285750">
               <a:buFont typeface="Arial" panose="020B0604020202020204" pitchFamily="34" charset="0"/>
               <a:buChar char="•"/>
             </a:pPr>
@@ -30053,8 +33248,8 @@
         </p:nvSpPr>
         <p:spPr>
           <a:xfrm>
-            <a:off x="336000" y="1449000"/>
-            <a:ext cx="6210031" cy="923330"/>
+            <a:off x="583484" y="1809000"/>
+            <a:ext cx="5760000" cy="923330"/>
           </a:xfrm>
           <a:prstGeom prst="rect">
             <a:avLst/>
@@ -30068,12 +33263,8 @@
           <a:lstStyle/>
           <a:p>
             <a:r>
-              <a:rPr lang="en-US" altLang="zh-CN" dirty="0"/>
-              <a:t>	</a:t>
-            </a:r>
-            <a:r>
               <a:rPr lang="zh-CN" altLang="en-US" dirty="0"/>
-              <a:t>开发板部署时，输入和输出都应该连接到可控设备或可观察设备。</a:t>
+              <a:t>        开发板部署时，输入和输出都应该连接到可控设备或可观察设备。</a:t>
             </a:r>
             <a:endParaRPr lang="en-US" altLang="zh-CN" dirty="0"/>
           </a:p>
@@ -35388,7 +38579,7 @@
           <p:nvPr/>
         </p:nvPicPr>
         <p:blipFill>
-          <a:blip r:embed="rId2" cstate="print">
+          <a:blip r:embed="rId3" cstate="print">
             <a:extLst>
               <a:ext uri="{28A0092B-C50C-407E-A947-70E740481C1C}">
                 <a14:useLocalDpi xmlns:a14="http://schemas.microsoft.com/office/drawing/2010/main" val="0"/>
@@ -35427,7 +38618,7 @@
           <p:nvPr/>
         </p:nvPicPr>
         <p:blipFill>
-          <a:blip r:embed="rId3" cstate="print">
+          <a:blip r:embed="rId4" cstate="print">
             <a:extLst>
               <a:ext uri="{28A0092B-C50C-407E-A947-70E740481C1C}">
                 <a14:useLocalDpi xmlns:a14="http://schemas.microsoft.com/office/drawing/2010/main" val="0"/>
@@ -35466,7 +38657,7 @@
           <p:nvPr/>
         </p:nvPicPr>
         <p:blipFill>
-          <a:blip r:embed="rId4" cstate="print">
+          <a:blip r:embed="rId5" cstate="print">
             <a:extLst>
               <a:ext uri="{28A0092B-C50C-407E-A947-70E740481C1C}">
                 <a14:useLocalDpi xmlns:a14="http://schemas.microsoft.com/office/drawing/2010/main" val="0"/>
@@ -35505,7 +38696,7 @@
           <p:nvPr/>
         </p:nvPicPr>
         <p:blipFill>
-          <a:blip r:embed="rId5" cstate="print">
+          <a:blip r:embed="rId6" cstate="print">
             <a:extLst>
               <a:ext uri="{28A0092B-C50C-407E-A947-70E740481C1C}">
                 <a14:useLocalDpi xmlns:a14="http://schemas.microsoft.com/office/drawing/2010/main" val="0"/>
@@ -35544,7 +38735,7 @@
           <p:nvPr/>
         </p:nvPicPr>
         <p:blipFill>
-          <a:blip r:embed="rId6" cstate="print">
+          <a:blip r:embed="rId7" cstate="print">
             <a:extLst>
               <a:ext uri="{28A0092B-C50C-407E-A947-70E740481C1C}">
                 <a14:useLocalDpi xmlns:a14="http://schemas.microsoft.com/office/drawing/2010/main" val="0"/>
@@ -36036,7 +39227,7 @@
           <p:nvPr/>
         </p:nvPicPr>
         <p:blipFill>
-          <a:blip r:embed="rId2" cstate="print">
+          <a:blip r:embed="rId3" cstate="print">
             <a:extLst>
               <a:ext uri="{28A0092B-C50C-407E-A947-70E740481C1C}">
                 <a14:useLocalDpi xmlns:a14="http://schemas.microsoft.com/office/drawing/2010/main" val="0"/>
@@ -36075,7 +39266,7 @@
           <p:nvPr/>
         </p:nvPicPr>
         <p:blipFill>
-          <a:blip r:embed="rId3" cstate="print">
+          <a:blip r:embed="rId4" cstate="print">
             <a:extLst>
               <a:ext uri="{28A0092B-C50C-407E-A947-70E740481C1C}">
                 <a14:useLocalDpi xmlns:a14="http://schemas.microsoft.com/office/drawing/2010/main" val="0"/>
@@ -36114,7 +39305,7 @@
           <p:nvPr/>
         </p:nvPicPr>
         <p:blipFill>
-          <a:blip r:embed="rId4" cstate="print">
+          <a:blip r:embed="rId5" cstate="print">
             <a:extLst>
               <a:ext uri="{28A0092B-C50C-407E-A947-70E740481C1C}">
                 <a14:useLocalDpi xmlns:a14="http://schemas.microsoft.com/office/drawing/2010/main" val="0"/>
@@ -36153,7 +39344,7 @@
           <p:nvPr/>
         </p:nvPicPr>
         <p:blipFill>
-          <a:blip r:embed="rId5" cstate="print">
+          <a:blip r:embed="rId6" cstate="print">
             <a:extLst>
               <a:ext uri="{28A0092B-C50C-407E-A947-70E740481C1C}">
                 <a14:useLocalDpi xmlns:a14="http://schemas.microsoft.com/office/drawing/2010/main" val="0"/>
@@ -36192,7 +39383,7 @@
           <p:nvPr/>
         </p:nvPicPr>
         <p:blipFill rotWithShape="1">
-          <a:blip r:embed="rId6" cstate="print">
+          <a:blip r:embed="rId7" cstate="print">
             <a:extLst>
               <a:ext uri="{28A0092B-C50C-407E-A947-70E740481C1C}">
                 <a14:useLocalDpi xmlns:a14="http://schemas.microsoft.com/office/drawing/2010/main" val="0"/>
@@ -41916,7 +45107,7 @@
         </p:nvSpPr>
         <p:spPr>
           <a:xfrm>
-            <a:off x="382254" y="1112056"/>
+            <a:off x="1476405" y="1067779"/>
             <a:ext cx="11424920" cy="800219"/>
           </a:xfrm>
           <a:prstGeom prst="rect">
@@ -45697,7 +48888,7 @@
           <p:nvPr>
             <p:extLst>
               <p:ext uri="{D42A27DB-BD31-4B8C-83A1-F6EECF244321}">
-                <p14:modId xmlns:p14="http://schemas.microsoft.com/office/powerpoint/2010/main" val="1643226191"/>
+                <p14:modId xmlns:p14="http://schemas.microsoft.com/office/powerpoint/2010/main" val="177629031"/>
               </p:ext>
             </p:extLst>
           </p:nvPr>
@@ -46191,10 +49382,10 @@
                         <a:t>位置为</a:t>
                       </a:r>
                       <a:r>
-                        <a:rPr lang="en-US" sz="1400" kern="100" dirty="0">
+                        <a:rPr lang="en-US" altLang="zh-CN" sz="1400" kern="100" dirty="0">
                           <a:effectLst/>
                         </a:rPr>
-                        <a:t>b</a:t>
+                        <a:t>B</a:t>
                       </a:r>
                       <a:r>
                         <a:rPr lang="zh-CN" sz="1400" kern="100" dirty="0">
@@ -46460,8 +49651,8 @@
         </p:nvSpPr>
         <p:spPr>
           <a:xfrm>
-            <a:off x="382254" y="1112056"/>
-            <a:ext cx="11424920" cy="523220"/>
+            <a:off x="1461000" y="1153117"/>
+            <a:ext cx="11424920" cy="369332"/>
           </a:xfrm>
           <a:prstGeom prst="rect">
             <a:avLst/>
@@ -46474,10 +49665,6 @@
           </a:bodyPr>
           <a:lstStyle/>
           <a:p>
-            <a:r>
-              <a:rPr lang="en-US" altLang="zh-CN" sz="2800" dirty="0"/>
-              <a:t>	</a:t>
-            </a:r>
             <a:r>
               <a:rPr lang="zh-CN" altLang="zh-CN" dirty="0"/>
               <a:t>寄存器堆，即寄存器组，由</a:t>
@@ -46515,8 +49702,8 @@
         </p:nvSpPr>
         <p:spPr>
           <a:xfrm>
-            <a:off x="382254" y="1631991"/>
-            <a:ext cx="11424920" cy="1077218"/>
+            <a:off x="1056000" y="1630858"/>
+            <a:ext cx="10798746" cy="923330"/>
           </a:xfrm>
           <a:prstGeom prst="rect">
             <a:avLst/>
@@ -46530,8 +49717,8 @@
           <a:lstStyle/>
           <a:p>
             <a:r>
-              <a:rPr lang="en-US" altLang="zh-CN" sz="2800" dirty="0"/>
-              <a:t>	</a:t>
+              <a:rPr lang="en-US" altLang="zh-CN" dirty="0"/>
+              <a:t>        </a:t>
             </a:r>
             <a:r>
               <a:rPr lang="zh-CN" altLang="zh-CN" dirty="0"/>
@@ -46634,7 +49821,7 @@
           <a:p>
             <a:r>
               <a:rPr lang="en-US" altLang="zh-CN" dirty="0"/>
-              <a:t>	</a:t>
+              <a:t>        </a:t>
             </a:r>
             <a:r>
               <a:rPr lang="zh-CN" altLang="zh-CN" dirty="0"/>
@@ -46729,7 +49916,7 @@
           <p:nvPr/>
         </p:nvPicPr>
         <p:blipFill rotWithShape="1">
-          <a:blip r:embed="rId2"/>
+          <a:blip r:embed="rId3"/>
           <a:srcRect t="2333" b="3180"/>
           <a:stretch/>
         </p:blipFill>
@@ -46804,7 +49991,7 @@
           <p:nvPr/>
         </p:nvPicPr>
         <p:blipFill>
-          <a:blip r:embed="rId3"/>
+          <a:blip r:embed="rId4"/>
           <a:stretch>
             <a:fillRect/>
           </a:stretch>
